--- a/発表スライド432.pptx
+++ b/発表スライド432.pptx
@@ -138,6 +138,10 @@
 </p:presentation>
 </file>
 
+<file path=ppt/revisionInfo.xml><?xml version="1.0" encoding="utf-8"?>
+<p1510:revInfo xmlns:a="http://schemas.openxmlformats.org/drawingml/2006/main" xmlns:r="http://schemas.openxmlformats.org/officeDocument/2006/relationships" xmlns:p1510="http://schemas.microsoft.com/office/powerpoint/2015/10/main"/>
+</file>
+
 <file path=ppt/notesMasters/notesMaster1.xml><?xml version="1.0" encoding="utf-8"?>
 <p:notesMaster xmlns:a="http://schemas.openxmlformats.org/drawingml/2006/main" xmlns:r="http://schemas.openxmlformats.org/officeDocument/2006/relationships" xmlns:p="http://schemas.openxmlformats.org/presentationml/2006/main">
   <p:cSld>
@@ -220,7 +224,7 @@
           <a:p>
             <a:fld id="{02FD2083-DA4D-4225-8CD6-7B6B8FAFFE14}" type="datetimeFigureOut">
               <a:rPr kumimoji="1" lang="ja-JP" altLang="en-US" smtClean="0"/>
-              <a:t>2017/2/5</a:t>
+              <a:t>2017/6/27</a:t>
             </a:fld>
             <a:endParaRPr kumimoji="1" lang="ja-JP" altLang="en-US"/>
           </a:p>
@@ -284,70 +288,69 @@
           <a:p>
             <a:pPr lvl="0"/>
             <a:r>
-              <a:rPr kumimoji="1" lang="ja-JP" altLang="en-US" smtClean="0"/>
+              <a:rPr kumimoji="1" lang="ja-JP" altLang="en-US"/>
               <a:t>マスター テキストの書式設定</a:t>
             </a:r>
           </a:p>
           <a:p>
             <a:pPr lvl="1"/>
             <a:r>
-              <a:rPr kumimoji="1" lang="ja-JP" altLang="en-US" smtClean="0"/>
+              <a:rPr kumimoji="1" lang="ja-JP" altLang="en-US"/>
               <a:t>第 </a:t>
             </a:r>
             <a:r>
-              <a:rPr kumimoji="1" lang="en-US" altLang="ja-JP" smtClean="0"/>
+              <a:rPr kumimoji="1" lang="en-US" altLang="ja-JP"/>
               <a:t>2 </a:t>
             </a:r>
             <a:r>
-              <a:rPr kumimoji="1" lang="ja-JP" altLang="en-US" smtClean="0"/>
+              <a:rPr kumimoji="1" lang="ja-JP" altLang="en-US"/>
               <a:t>レベル</a:t>
             </a:r>
           </a:p>
           <a:p>
             <a:pPr lvl="2"/>
             <a:r>
-              <a:rPr kumimoji="1" lang="ja-JP" altLang="en-US" smtClean="0"/>
+              <a:rPr kumimoji="1" lang="ja-JP" altLang="en-US"/>
               <a:t>第 </a:t>
             </a:r>
             <a:r>
-              <a:rPr kumimoji="1" lang="en-US" altLang="ja-JP" smtClean="0"/>
+              <a:rPr kumimoji="1" lang="en-US" altLang="ja-JP"/>
               <a:t>3 </a:t>
             </a:r>
             <a:r>
-              <a:rPr kumimoji="1" lang="ja-JP" altLang="en-US" smtClean="0"/>
+              <a:rPr kumimoji="1" lang="ja-JP" altLang="en-US"/>
               <a:t>レベル</a:t>
             </a:r>
           </a:p>
           <a:p>
             <a:pPr lvl="3"/>
             <a:r>
-              <a:rPr kumimoji="1" lang="ja-JP" altLang="en-US" smtClean="0"/>
+              <a:rPr kumimoji="1" lang="ja-JP" altLang="en-US"/>
               <a:t>第 </a:t>
             </a:r>
             <a:r>
-              <a:rPr kumimoji="1" lang="en-US" altLang="ja-JP" smtClean="0"/>
+              <a:rPr kumimoji="1" lang="en-US" altLang="ja-JP"/>
               <a:t>4 </a:t>
             </a:r>
             <a:r>
-              <a:rPr kumimoji="1" lang="ja-JP" altLang="en-US" smtClean="0"/>
+              <a:rPr kumimoji="1" lang="ja-JP" altLang="en-US"/>
               <a:t>レベル</a:t>
             </a:r>
           </a:p>
           <a:p>
             <a:pPr lvl="4"/>
             <a:r>
-              <a:rPr kumimoji="1" lang="ja-JP" altLang="en-US" smtClean="0"/>
+              <a:rPr kumimoji="1" lang="ja-JP" altLang="en-US"/>
               <a:t>第 </a:t>
             </a:r>
             <a:r>
-              <a:rPr kumimoji="1" lang="en-US" altLang="ja-JP" smtClean="0"/>
+              <a:rPr kumimoji="1" lang="en-US" altLang="ja-JP"/>
               <a:t>5 </a:t>
             </a:r>
             <a:r>
-              <a:rPr kumimoji="1" lang="ja-JP" altLang="en-US" smtClean="0"/>
+              <a:rPr kumimoji="1" lang="ja-JP" altLang="en-US"/>
               <a:t>レベル</a:t>
             </a:r>
-            <a:endParaRPr kumimoji="1" lang="ja-JP" altLang="en-US"/>
           </a:p>
         </p:txBody>
       </p:sp>
@@ -651,10 +654,9 @@
           </a:lstStyle>
           <a:p>
             <a:r>
-              <a:rPr kumimoji="1" lang="ja-JP" altLang="en-US" dirty="0" smtClean="0"/>
+              <a:rPr kumimoji="1" lang="ja-JP" altLang="en-US" dirty="0"/>
               <a:t>マスター タイトルの書式設定</a:t>
             </a:r>
-            <a:endParaRPr kumimoji="1" lang="ja-JP" altLang="en-US" dirty="0"/>
           </a:p>
         </p:txBody>
       </p:sp>
@@ -716,10 +718,9 @@
           </a:lstStyle>
           <a:p>
             <a:r>
-              <a:rPr kumimoji="1" lang="ja-JP" altLang="en-US" smtClean="0"/>
+              <a:rPr kumimoji="1" lang="ja-JP" altLang="en-US"/>
               <a:t>マスター サブタイトルの書式設定</a:t>
             </a:r>
-            <a:endParaRPr kumimoji="1" lang="ja-JP" altLang="en-US"/>
           </a:p>
         </p:txBody>
       </p:sp>
@@ -740,7 +741,7 @@
           <a:p>
             <a:fld id="{4397E3B9-0F41-45B2-B3D5-8ED0192777CA}" type="datetime1">
               <a:rPr kumimoji="1" lang="ja-JP" altLang="en-US" smtClean="0"/>
-              <a:t>2017/2/5</a:t>
+              <a:t>2017/6/27</a:t>
             </a:fld>
             <a:endParaRPr kumimoji="1" lang="ja-JP" altLang="en-US"/>
           </a:p>
@@ -798,13 +799,6 @@
   <p:clrMapOvr>
     <a:masterClrMapping/>
   </p:clrMapOvr>
-  <p:timing>
-    <p:tnLst>
-      <p:par>
-        <p:cTn id="1" dur="indefinite" restart="never" nodeType="tmRoot"/>
-      </p:par>
-    </p:tnLst>
-  </p:timing>
 </p:sldLayout>
 </file>
 
@@ -850,10 +844,9 @@
           </a:lstStyle>
           <a:p>
             <a:r>
-              <a:rPr kumimoji="1" lang="ja-JP" altLang="en-US" smtClean="0"/>
+              <a:rPr kumimoji="1" lang="ja-JP" altLang="en-US"/>
               <a:t>マスター タイトルの書式設定</a:t>
             </a:r>
-            <a:endParaRPr kumimoji="1" lang="ja-JP" altLang="en-US"/>
           </a:p>
         </p:txBody>
       </p:sp>
@@ -915,10 +908,9 @@
           </a:lstStyle>
           <a:p>
             <a:r>
-              <a:rPr kumimoji="1" lang="ja-JP" altLang="en-US" smtClean="0"/>
+              <a:rPr kumimoji="1" lang="ja-JP" altLang="en-US"/>
               <a:t>図を追加</a:t>
             </a:r>
-            <a:endParaRPr kumimoji="1" lang="ja-JP" altLang="en-US"/>
           </a:p>
         </p:txBody>
       </p:sp>
@@ -981,7 +973,7 @@
           <a:p>
             <a:pPr lvl="0"/>
             <a:r>
-              <a:rPr kumimoji="1" lang="ja-JP" altLang="en-US" smtClean="0"/>
+              <a:rPr kumimoji="1" lang="ja-JP" altLang="en-US"/>
               <a:t>マスター テキストの書式設定</a:t>
             </a:r>
           </a:p>
@@ -1004,7 +996,7 @@
           <a:p>
             <a:fld id="{C158B496-7844-4E10-9C5A-4837C391455A}" type="datetime1">
               <a:rPr kumimoji="1" lang="ja-JP" altLang="en-US" smtClean="0"/>
-              <a:t>2017/2/5</a:t>
+              <a:t>2017/6/27</a:t>
             </a:fld>
             <a:endParaRPr kumimoji="1" lang="ja-JP" altLang="en-US"/>
           </a:p>
@@ -1062,13 +1054,6 @@
   <p:clrMapOvr>
     <a:masterClrMapping/>
   </p:clrMapOvr>
-  <p:timing>
-    <p:tnLst>
-      <p:par>
-        <p:cTn id="1" dur="indefinite" restart="never" nodeType="tmRoot"/>
-      </p:par>
-    </p:tnLst>
-  </p:timing>
 </p:sldLayout>
 </file>
 
@@ -1105,10 +1090,9 @@
           <a:lstStyle/>
           <a:p>
             <a:r>
-              <a:rPr kumimoji="1" lang="ja-JP" altLang="en-US" smtClean="0"/>
+              <a:rPr kumimoji="1" lang="ja-JP" altLang="en-US"/>
               <a:t>マスター タイトルの書式設定</a:t>
             </a:r>
-            <a:endParaRPr kumimoji="1" lang="ja-JP" altLang="en-US"/>
           </a:p>
         </p:txBody>
       </p:sp>
@@ -1129,70 +1113,69 @@
           <a:p>
             <a:pPr lvl="0"/>
             <a:r>
-              <a:rPr kumimoji="1" lang="ja-JP" altLang="en-US" smtClean="0"/>
+              <a:rPr kumimoji="1" lang="ja-JP" altLang="en-US"/>
               <a:t>マスター テキストの書式設定</a:t>
             </a:r>
           </a:p>
           <a:p>
             <a:pPr lvl="1"/>
             <a:r>
-              <a:rPr kumimoji="1" lang="ja-JP" altLang="en-US" smtClean="0"/>
+              <a:rPr kumimoji="1" lang="ja-JP" altLang="en-US"/>
               <a:t>第 </a:t>
             </a:r>
             <a:r>
-              <a:rPr kumimoji="1" lang="en-US" altLang="ja-JP" smtClean="0"/>
+              <a:rPr kumimoji="1" lang="en-US" altLang="ja-JP"/>
               <a:t>2 </a:t>
             </a:r>
             <a:r>
-              <a:rPr kumimoji="1" lang="ja-JP" altLang="en-US" smtClean="0"/>
+              <a:rPr kumimoji="1" lang="ja-JP" altLang="en-US"/>
               <a:t>レベル</a:t>
             </a:r>
           </a:p>
           <a:p>
             <a:pPr lvl="2"/>
             <a:r>
-              <a:rPr kumimoji="1" lang="ja-JP" altLang="en-US" smtClean="0"/>
+              <a:rPr kumimoji="1" lang="ja-JP" altLang="en-US"/>
               <a:t>第 </a:t>
             </a:r>
             <a:r>
-              <a:rPr kumimoji="1" lang="en-US" altLang="ja-JP" smtClean="0"/>
+              <a:rPr kumimoji="1" lang="en-US" altLang="ja-JP"/>
               <a:t>3 </a:t>
             </a:r>
             <a:r>
-              <a:rPr kumimoji="1" lang="ja-JP" altLang="en-US" smtClean="0"/>
+              <a:rPr kumimoji="1" lang="ja-JP" altLang="en-US"/>
               <a:t>レベル</a:t>
             </a:r>
           </a:p>
           <a:p>
             <a:pPr lvl="3"/>
             <a:r>
-              <a:rPr kumimoji="1" lang="ja-JP" altLang="en-US" smtClean="0"/>
+              <a:rPr kumimoji="1" lang="ja-JP" altLang="en-US"/>
               <a:t>第 </a:t>
             </a:r>
             <a:r>
-              <a:rPr kumimoji="1" lang="en-US" altLang="ja-JP" smtClean="0"/>
+              <a:rPr kumimoji="1" lang="en-US" altLang="ja-JP"/>
               <a:t>4 </a:t>
             </a:r>
             <a:r>
-              <a:rPr kumimoji="1" lang="ja-JP" altLang="en-US" smtClean="0"/>
+              <a:rPr kumimoji="1" lang="ja-JP" altLang="en-US"/>
               <a:t>レベル</a:t>
             </a:r>
           </a:p>
           <a:p>
             <a:pPr lvl="4"/>
             <a:r>
-              <a:rPr kumimoji="1" lang="ja-JP" altLang="en-US" smtClean="0"/>
+              <a:rPr kumimoji="1" lang="ja-JP" altLang="en-US"/>
               <a:t>第 </a:t>
             </a:r>
             <a:r>
-              <a:rPr kumimoji="1" lang="en-US" altLang="ja-JP" smtClean="0"/>
+              <a:rPr kumimoji="1" lang="en-US" altLang="ja-JP"/>
               <a:t>5 </a:t>
             </a:r>
             <a:r>
-              <a:rPr kumimoji="1" lang="ja-JP" altLang="en-US" smtClean="0"/>
+              <a:rPr kumimoji="1" lang="ja-JP" altLang="en-US"/>
               <a:t>レベル</a:t>
             </a:r>
-            <a:endParaRPr kumimoji="1" lang="ja-JP" altLang="en-US"/>
           </a:p>
         </p:txBody>
       </p:sp>
@@ -1213,7 +1196,7 @@
           <a:p>
             <a:fld id="{D7D3681A-6140-4113-AE03-1DC786142DF2}" type="datetime1">
               <a:rPr kumimoji="1" lang="ja-JP" altLang="en-US" smtClean="0"/>
-              <a:t>2017/2/5</a:t>
+              <a:t>2017/6/27</a:t>
             </a:fld>
             <a:endParaRPr kumimoji="1" lang="ja-JP" altLang="en-US"/>
           </a:p>
@@ -1418,13 +1401,6 @@
   <p:clrMapOvr>
     <a:masterClrMapping/>
   </p:clrMapOvr>
-  <p:timing>
-    <p:tnLst>
-      <p:par>
-        <p:cTn id="1" dur="indefinite" restart="never" nodeType="tmRoot"/>
-      </p:par>
-    </p:tnLst>
-  </p:timing>
 </p:sldLayout>
 </file>
 
@@ -1466,10 +1442,9 @@
           <a:lstStyle/>
           <a:p>
             <a:r>
-              <a:rPr kumimoji="1" lang="ja-JP" altLang="en-US" smtClean="0"/>
+              <a:rPr kumimoji="1" lang="ja-JP" altLang="en-US"/>
               <a:t>マスター タイトルの書式設定</a:t>
             </a:r>
-            <a:endParaRPr kumimoji="1" lang="ja-JP" altLang="en-US"/>
           </a:p>
         </p:txBody>
       </p:sp>
@@ -1495,70 +1470,69 @@
           <a:p>
             <a:pPr lvl="0"/>
             <a:r>
-              <a:rPr kumimoji="1" lang="ja-JP" altLang="en-US" smtClean="0"/>
+              <a:rPr kumimoji="1" lang="ja-JP" altLang="en-US"/>
               <a:t>マスター テキストの書式設定</a:t>
             </a:r>
           </a:p>
           <a:p>
             <a:pPr lvl="1"/>
             <a:r>
-              <a:rPr kumimoji="1" lang="ja-JP" altLang="en-US" smtClean="0"/>
+              <a:rPr kumimoji="1" lang="ja-JP" altLang="en-US"/>
               <a:t>第 </a:t>
             </a:r>
             <a:r>
-              <a:rPr kumimoji="1" lang="en-US" altLang="ja-JP" smtClean="0"/>
+              <a:rPr kumimoji="1" lang="en-US" altLang="ja-JP"/>
               <a:t>2 </a:t>
             </a:r>
             <a:r>
-              <a:rPr kumimoji="1" lang="ja-JP" altLang="en-US" smtClean="0"/>
+              <a:rPr kumimoji="1" lang="ja-JP" altLang="en-US"/>
               <a:t>レベル</a:t>
             </a:r>
           </a:p>
           <a:p>
             <a:pPr lvl="2"/>
             <a:r>
-              <a:rPr kumimoji="1" lang="ja-JP" altLang="en-US" smtClean="0"/>
+              <a:rPr kumimoji="1" lang="ja-JP" altLang="en-US"/>
               <a:t>第 </a:t>
             </a:r>
             <a:r>
-              <a:rPr kumimoji="1" lang="en-US" altLang="ja-JP" smtClean="0"/>
+              <a:rPr kumimoji="1" lang="en-US" altLang="ja-JP"/>
               <a:t>3 </a:t>
             </a:r>
             <a:r>
-              <a:rPr kumimoji="1" lang="ja-JP" altLang="en-US" smtClean="0"/>
+              <a:rPr kumimoji="1" lang="ja-JP" altLang="en-US"/>
               <a:t>レベル</a:t>
             </a:r>
           </a:p>
           <a:p>
             <a:pPr lvl="3"/>
             <a:r>
-              <a:rPr kumimoji="1" lang="ja-JP" altLang="en-US" smtClean="0"/>
+              <a:rPr kumimoji="1" lang="ja-JP" altLang="en-US"/>
               <a:t>第 </a:t>
             </a:r>
             <a:r>
-              <a:rPr kumimoji="1" lang="en-US" altLang="ja-JP" smtClean="0"/>
+              <a:rPr kumimoji="1" lang="en-US" altLang="ja-JP"/>
               <a:t>4 </a:t>
             </a:r>
             <a:r>
-              <a:rPr kumimoji="1" lang="ja-JP" altLang="en-US" smtClean="0"/>
+              <a:rPr kumimoji="1" lang="ja-JP" altLang="en-US"/>
               <a:t>レベル</a:t>
             </a:r>
           </a:p>
           <a:p>
             <a:pPr lvl="4"/>
             <a:r>
-              <a:rPr kumimoji="1" lang="ja-JP" altLang="en-US" smtClean="0"/>
+              <a:rPr kumimoji="1" lang="ja-JP" altLang="en-US"/>
               <a:t>第 </a:t>
             </a:r>
             <a:r>
-              <a:rPr kumimoji="1" lang="en-US" altLang="ja-JP" smtClean="0"/>
+              <a:rPr kumimoji="1" lang="en-US" altLang="ja-JP"/>
               <a:t>5 </a:t>
             </a:r>
             <a:r>
-              <a:rPr kumimoji="1" lang="ja-JP" altLang="en-US" smtClean="0"/>
+              <a:rPr kumimoji="1" lang="ja-JP" altLang="en-US"/>
               <a:t>レベル</a:t>
             </a:r>
-            <a:endParaRPr kumimoji="1" lang="ja-JP" altLang="en-US"/>
           </a:p>
         </p:txBody>
       </p:sp>
@@ -1579,7 +1553,7 @@
           <a:p>
             <a:fld id="{67833079-47FC-4074-8192-83BD800BF312}" type="datetime1">
               <a:rPr kumimoji="1" lang="ja-JP" altLang="en-US" smtClean="0"/>
-              <a:t>2017/2/5</a:t>
+              <a:t>2017/6/27</a:t>
             </a:fld>
             <a:endParaRPr kumimoji="1" lang="ja-JP" altLang="en-US"/>
           </a:p>
@@ -1637,13 +1611,6 @@
   <p:clrMapOvr>
     <a:masterClrMapping/>
   </p:clrMapOvr>
-  <p:timing>
-    <p:tnLst>
-      <p:par>
-        <p:cTn id="1" dur="indefinite" restart="never" nodeType="tmRoot"/>
-      </p:par>
-    </p:tnLst>
-  </p:timing>
 </p:sldLayout>
 </file>
 
@@ -1687,7 +1654,7 @@
           </a:lstStyle>
           <a:p>
             <a:r>
-              <a:rPr kumimoji="1" lang="ja-JP" altLang="en-US" smtClean="0"/>
+              <a:rPr kumimoji="1" lang="ja-JP" altLang="en-US"/>
               <a:t>マスター タイトルの書式設定</a:t>
             </a:r>
             <a:endParaRPr kumimoji="1" lang="ja-JP" altLang="en-US" dirty="0"/>
@@ -1727,67 +1694,67 @@
           <a:p>
             <a:pPr lvl="0"/>
             <a:r>
-              <a:rPr kumimoji="1" lang="ja-JP" altLang="en-US" smtClean="0"/>
+              <a:rPr kumimoji="1" lang="ja-JP" altLang="en-US"/>
               <a:t>マスター テキストの書式設定</a:t>
             </a:r>
           </a:p>
           <a:p>
             <a:pPr lvl="1"/>
             <a:r>
-              <a:rPr kumimoji="1" lang="ja-JP" altLang="en-US" smtClean="0"/>
+              <a:rPr kumimoji="1" lang="ja-JP" altLang="en-US"/>
               <a:t>第 </a:t>
             </a:r>
             <a:r>
-              <a:rPr kumimoji="1" lang="en-US" altLang="ja-JP" smtClean="0"/>
+              <a:rPr kumimoji="1" lang="en-US" altLang="ja-JP"/>
               <a:t>2 </a:t>
             </a:r>
             <a:r>
-              <a:rPr kumimoji="1" lang="ja-JP" altLang="en-US" smtClean="0"/>
+              <a:rPr kumimoji="1" lang="ja-JP" altLang="en-US"/>
               <a:t>レベル</a:t>
             </a:r>
           </a:p>
           <a:p>
             <a:pPr lvl="2"/>
             <a:r>
-              <a:rPr kumimoji="1" lang="ja-JP" altLang="en-US" smtClean="0"/>
+              <a:rPr kumimoji="1" lang="ja-JP" altLang="en-US"/>
               <a:t>第 </a:t>
             </a:r>
             <a:r>
-              <a:rPr kumimoji="1" lang="en-US" altLang="ja-JP" smtClean="0"/>
+              <a:rPr kumimoji="1" lang="en-US" altLang="ja-JP"/>
               <a:t>3 </a:t>
             </a:r>
             <a:r>
-              <a:rPr kumimoji="1" lang="ja-JP" altLang="en-US" smtClean="0"/>
+              <a:rPr kumimoji="1" lang="ja-JP" altLang="en-US"/>
               <a:t>レベル</a:t>
             </a:r>
           </a:p>
           <a:p>
             <a:pPr lvl="3"/>
             <a:r>
-              <a:rPr kumimoji="1" lang="ja-JP" altLang="en-US" smtClean="0"/>
+              <a:rPr kumimoji="1" lang="ja-JP" altLang="en-US"/>
               <a:t>第 </a:t>
             </a:r>
             <a:r>
-              <a:rPr kumimoji="1" lang="en-US" altLang="ja-JP" smtClean="0"/>
+              <a:rPr kumimoji="1" lang="en-US" altLang="ja-JP"/>
               <a:t>4 </a:t>
             </a:r>
             <a:r>
-              <a:rPr kumimoji="1" lang="ja-JP" altLang="en-US" smtClean="0"/>
+              <a:rPr kumimoji="1" lang="ja-JP" altLang="en-US"/>
               <a:t>レベル</a:t>
             </a:r>
           </a:p>
           <a:p>
             <a:pPr lvl="4"/>
             <a:r>
-              <a:rPr kumimoji="1" lang="ja-JP" altLang="en-US" smtClean="0"/>
+              <a:rPr kumimoji="1" lang="ja-JP" altLang="en-US"/>
               <a:t>第 </a:t>
             </a:r>
             <a:r>
-              <a:rPr kumimoji="1" lang="en-US" altLang="ja-JP" smtClean="0"/>
+              <a:rPr kumimoji="1" lang="en-US" altLang="ja-JP"/>
               <a:t>5 </a:t>
             </a:r>
             <a:r>
-              <a:rPr kumimoji="1" lang="ja-JP" altLang="en-US" smtClean="0"/>
+              <a:rPr kumimoji="1" lang="ja-JP" altLang="en-US"/>
               <a:t>レベル</a:t>
             </a:r>
             <a:endParaRPr kumimoji="1" lang="ja-JP" altLang="en-US" dirty="0"/>
@@ -1811,7 +1778,7 @@
           <a:p>
             <a:fld id="{AED2633B-5BDF-4E31-96D2-6B10064BF2A0}" type="datetime1">
               <a:rPr kumimoji="1" lang="ja-JP" altLang="en-US" smtClean="0"/>
-              <a:t>2017/2/5</a:t>
+              <a:t>2017/6/27</a:t>
             </a:fld>
             <a:endParaRPr kumimoji="1" lang="ja-JP" altLang="en-US"/>
           </a:p>
@@ -2105,13 +2072,6 @@
   <p:clrMapOvr>
     <a:masterClrMapping/>
   </p:clrMapOvr>
-  <p:timing>
-    <p:tnLst>
-      <p:par>
-        <p:cTn id="1" dur="indefinite" restart="never" nodeType="tmRoot"/>
-      </p:par>
-    </p:tnLst>
-  </p:timing>
 </p:sldLayout>
 </file>
 
@@ -2162,7 +2122,7 @@
           </a:lstStyle>
           <a:p>
             <a:r>
-              <a:rPr kumimoji="1" lang="ja-JP" altLang="en-US" smtClean="0"/>
+              <a:rPr kumimoji="1" lang="ja-JP" altLang="en-US"/>
               <a:t>マスター タイトルの書式設定</a:t>
             </a:r>
             <a:endParaRPr kumimoji="1" lang="ja-JP" altLang="en-US" dirty="0"/>
@@ -2207,67 +2167,67 @@
           <a:p>
             <a:pPr lvl="0"/>
             <a:r>
-              <a:rPr kumimoji="1" lang="ja-JP" altLang="en-US" smtClean="0"/>
+              <a:rPr kumimoji="1" lang="ja-JP" altLang="en-US"/>
               <a:t>マスター テキストの書式設定</a:t>
             </a:r>
           </a:p>
           <a:p>
             <a:pPr lvl="1"/>
             <a:r>
-              <a:rPr kumimoji="1" lang="ja-JP" altLang="en-US" smtClean="0"/>
+              <a:rPr kumimoji="1" lang="ja-JP" altLang="en-US"/>
               <a:t>第 </a:t>
             </a:r>
             <a:r>
-              <a:rPr kumimoji="1" lang="en-US" altLang="ja-JP" smtClean="0"/>
+              <a:rPr kumimoji="1" lang="en-US" altLang="ja-JP"/>
               <a:t>2 </a:t>
             </a:r>
             <a:r>
-              <a:rPr kumimoji="1" lang="ja-JP" altLang="en-US" smtClean="0"/>
+              <a:rPr kumimoji="1" lang="ja-JP" altLang="en-US"/>
               <a:t>レベル</a:t>
             </a:r>
           </a:p>
           <a:p>
             <a:pPr lvl="2"/>
             <a:r>
-              <a:rPr kumimoji="1" lang="ja-JP" altLang="en-US" smtClean="0"/>
+              <a:rPr kumimoji="1" lang="ja-JP" altLang="en-US"/>
               <a:t>第 </a:t>
             </a:r>
             <a:r>
-              <a:rPr kumimoji="1" lang="en-US" altLang="ja-JP" smtClean="0"/>
+              <a:rPr kumimoji="1" lang="en-US" altLang="ja-JP"/>
               <a:t>3 </a:t>
             </a:r>
             <a:r>
-              <a:rPr kumimoji="1" lang="ja-JP" altLang="en-US" smtClean="0"/>
+              <a:rPr kumimoji="1" lang="ja-JP" altLang="en-US"/>
               <a:t>レベル</a:t>
             </a:r>
           </a:p>
           <a:p>
             <a:pPr lvl="3"/>
             <a:r>
-              <a:rPr kumimoji="1" lang="ja-JP" altLang="en-US" smtClean="0"/>
+              <a:rPr kumimoji="1" lang="ja-JP" altLang="en-US"/>
               <a:t>第 </a:t>
             </a:r>
             <a:r>
-              <a:rPr kumimoji="1" lang="en-US" altLang="ja-JP" smtClean="0"/>
+              <a:rPr kumimoji="1" lang="en-US" altLang="ja-JP"/>
               <a:t>4 </a:t>
             </a:r>
             <a:r>
-              <a:rPr kumimoji="1" lang="ja-JP" altLang="en-US" smtClean="0"/>
+              <a:rPr kumimoji="1" lang="ja-JP" altLang="en-US"/>
               <a:t>レベル</a:t>
             </a:r>
           </a:p>
           <a:p>
             <a:pPr lvl="4"/>
             <a:r>
-              <a:rPr kumimoji="1" lang="ja-JP" altLang="en-US" smtClean="0"/>
+              <a:rPr kumimoji="1" lang="ja-JP" altLang="en-US"/>
               <a:t>第 </a:t>
             </a:r>
             <a:r>
-              <a:rPr kumimoji="1" lang="en-US" altLang="ja-JP" smtClean="0"/>
+              <a:rPr kumimoji="1" lang="en-US" altLang="ja-JP"/>
               <a:t>5 </a:t>
             </a:r>
             <a:r>
-              <a:rPr kumimoji="1" lang="ja-JP" altLang="en-US" smtClean="0"/>
+              <a:rPr kumimoji="1" lang="ja-JP" altLang="en-US"/>
               <a:t>レベル</a:t>
             </a:r>
             <a:endParaRPr kumimoji="1" lang="ja-JP" altLang="en-US" dirty="0"/>
@@ -2291,7 +2251,7 @@
           <a:p>
             <a:fld id="{BFAE0BD2-2D62-4359-AA95-A397BFF1C137}" type="datetime1">
               <a:rPr kumimoji="1" lang="ja-JP" altLang="en-US" smtClean="0"/>
-              <a:t>2017/2/5</a:t>
+              <a:t>2017/6/27</a:t>
             </a:fld>
             <a:endParaRPr kumimoji="1" lang="ja-JP" altLang="en-US"/>
           </a:p>
@@ -2497,13 +2457,6 @@
   <p:clrMapOvr>
     <a:masterClrMapping/>
   </p:clrMapOvr>
-  <p:timing>
-    <p:tnLst>
-      <p:par>
-        <p:cTn id="1" dur="indefinite" restart="never" nodeType="tmRoot"/>
-      </p:par>
-    </p:tnLst>
-  </p:timing>
 </p:sldLayout>
 </file>
 
@@ -2549,10 +2502,9 @@
           </a:lstStyle>
           <a:p>
             <a:r>
-              <a:rPr kumimoji="1" lang="ja-JP" altLang="en-US" smtClean="0"/>
+              <a:rPr kumimoji="1" lang="ja-JP" altLang="en-US"/>
               <a:t>マスター タイトルの書式設定</a:t>
             </a:r>
-            <a:endParaRPr kumimoji="1" lang="ja-JP" altLang="en-US"/>
           </a:p>
         </p:txBody>
       </p:sp>
@@ -2669,7 +2621,7 @@
           <a:p>
             <a:pPr lvl="0"/>
             <a:r>
-              <a:rPr kumimoji="1" lang="ja-JP" altLang="en-US" smtClean="0"/>
+              <a:rPr kumimoji="1" lang="ja-JP" altLang="en-US"/>
               <a:t>マスター テキストの書式設定</a:t>
             </a:r>
           </a:p>
@@ -2692,7 +2644,7 @@
           <a:p>
             <a:fld id="{5400AB73-E5DA-48BB-A8FA-4D57E6AC4AB5}" type="datetime1">
               <a:rPr kumimoji="1" lang="ja-JP" altLang="en-US" smtClean="0"/>
-              <a:t>2017/2/5</a:t>
+              <a:t>2017/6/27</a:t>
             </a:fld>
             <a:endParaRPr kumimoji="1" lang="ja-JP" altLang="en-US"/>
           </a:p>
@@ -2750,13 +2702,6 @@
   <p:clrMapOvr>
     <a:masterClrMapping/>
   </p:clrMapOvr>
-  <p:timing>
-    <p:tnLst>
-      <p:par>
-        <p:cTn id="1" dur="indefinite" restart="never" nodeType="tmRoot"/>
-      </p:par>
-    </p:tnLst>
-  </p:timing>
 </p:sldLayout>
 </file>
 
@@ -2793,10 +2738,9 @@
           <a:lstStyle/>
           <a:p>
             <a:r>
-              <a:rPr kumimoji="1" lang="ja-JP" altLang="en-US" smtClean="0"/>
+              <a:rPr kumimoji="1" lang="ja-JP" altLang="en-US"/>
               <a:t>マスター タイトルの書式設定</a:t>
             </a:r>
-            <a:endParaRPr kumimoji="1" lang="ja-JP" altLang="en-US"/>
           </a:p>
         </p:txBody>
       </p:sp>
@@ -2822,70 +2766,69 @@
           <a:p>
             <a:pPr lvl="0"/>
             <a:r>
-              <a:rPr kumimoji="1" lang="ja-JP" altLang="en-US" smtClean="0"/>
+              <a:rPr kumimoji="1" lang="ja-JP" altLang="en-US"/>
               <a:t>マスター テキストの書式設定</a:t>
             </a:r>
           </a:p>
           <a:p>
             <a:pPr lvl="1"/>
             <a:r>
-              <a:rPr kumimoji="1" lang="ja-JP" altLang="en-US" smtClean="0"/>
+              <a:rPr kumimoji="1" lang="ja-JP" altLang="en-US"/>
               <a:t>第 </a:t>
             </a:r>
             <a:r>
-              <a:rPr kumimoji="1" lang="en-US" altLang="ja-JP" smtClean="0"/>
+              <a:rPr kumimoji="1" lang="en-US" altLang="ja-JP"/>
               <a:t>2 </a:t>
             </a:r>
             <a:r>
-              <a:rPr kumimoji="1" lang="ja-JP" altLang="en-US" smtClean="0"/>
+              <a:rPr kumimoji="1" lang="ja-JP" altLang="en-US"/>
               <a:t>レベル</a:t>
             </a:r>
           </a:p>
           <a:p>
             <a:pPr lvl="2"/>
             <a:r>
-              <a:rPr kumimoji="1" lang="ja-JP" altLang="en-US" smtClean="0"/>
+              <a:rPr kumimoji="1" lang="ja-JP" altLang="en-US"/>
               <a:t>第 </a:t>
             </a:r>
             <a:r>
-              <a:rPr kumimoji="1" lang="en-US" altLang="ja-JP" smtClean="0"/>
+              <a:rPr kumimoji="1" lang="en-US" altLang="ja-JP"/>
               <a:t>3 </a:t>
             </a:r>
             <a:r>
-              <a:rPr kumimoji="1" lang="ja-JP" altLang="en-US" smtClean="0"/>
+              <a:rPr kumimoji="1" lang="ja-JP" altLang="en-US"/>
               <a:t>レベル</a:t>
             </a:r>
           </a:p>
           <a:p>
             <a:pPr lvl="3"/>
             <a:r>
-              <a:rPr kumimoji="1" lang="ja-JP" altLang="en-US" smtClean="0"/>
+              <a:rPr kumimoji="1" lang="ja-JP" altLang="en-US"/>
               <a:t>第 </a:t>
             </a:r>
             <a:r>
-              <a:rPr kumimoji="1" lang="en-US" altLang="ja-JP" smtClean="0"/>
+              <a:rPr kumimoji="1" lang="en-US" altLang="ja-JP"/>
               <a:t>4 </a:t>
             </a:r>
             <a:r>
-              <a:rPr kumimoji="1" lang="ja-JP" altLang="en-US" smtClean="0"/>
+              <a:rPr kumimoji="1" lang="ja-JP" altLang="en-US"/>
               <a:t>レベル</a:t>
             </a:r>
           </a:p>
           <a:p>
             <a:pPr lvl="4"/>
             <a:r>
-              <a:rPr kumimoji="1" lang="ja-JP" altLang="en-US" smtClean="0"/>
+              <a:rPr kumimoji="1" lang="ja-JP" altLang="en-US"/>
               <a:t>第 </a:t>
             </a:r>
             <a:r>
-              <a:rPr kumimoji="1" lang="en-US" altLang="ja-JP" smtClean="0"/>
+              <a:rPr kumimoji="1" lang="en-US" altLang="ja-JP"/>
               <a:t>5 </a:t>
             </a:r>
             <a:r>
-              <a:rPr kumimoji="1" lang="ja-JP" altLang="en-US" smtClean="0"/>
+              <a:rPr kumimoji="1" lang="ja-JP" altLang="en-US"/>
               <a:t>レベル</a:t>
             </a:r>
-            <a:endParaRPr kumimoji="1" lang="ja-JP" altLang="en-US"/>
           </a:p>
         </p:txBody>
       </p:sp>
@@ -2911,70 +2854,69 @@
           <a:p>
             <a:pPr lvl="0"/>
             <a:r>
-              <a:rPr kumimoji="1" lang="ja-JP" altLang="en-US" smtClean="0"/>
+              <a:rPr kumimoji="1" lang="ja-JP" altLang="en-US"/>
               <a:t>マスター テキストの書式設定</a:t>
             </a:r>
           </a:p>
           <a:p>
             <a:pPr lvl="1"/>
             <a:r>
-              <a:rPr kumimoji="1" lang="ja-JP" altLang="en-US" smtClean="0"/>
+              <a:rPr kumimoji="1" lang="ja-JP" altLang="en-US"/>
               <a:t>第 </a:t>
             </a:r>
             <a:r>
-              <a:rPr kumimoji="1" lang="en-US" altLang="ja-JP" smtClean="0"/>
+              <a:rPr kumimoji="1" lang="en-US" altLang="ja-JP"/>
               <a:t>2 </a:t>
             </a:r>
             <a:r>
-              <a:rPr kumimoji="1" lang="ja-JP" altLang="en-US" smtClean="0"/>
+              <a:rPr kumimoji="1" lang="ja-JP" altLang="en-US"/>
               <a:t>レベル</a:t>
             </a:r>
           </a:p>
           <a:p>
             <a:pPr lvl="2"/>
             <a:r>
-              <a:rPr kumimoji="1" lang="ja-JP" altLang="en-US" smtClean="0"/>
+              <a:rPr kumimoji="1" lang="ja-JP" altLang="en-US"/>
               <a:t>第 </a:t>
             </a:r>
             <a:r>
-              <a:rPr kumimoji="1" lang="en-US" altLang="ja-JP" smtClean="0"/>
+              <a:rPr kumimoji="1" lang="en-US" altLang="ja-JP"/>
               <a:t>3 </a:t>
             </a:r>
             <a:r>
-              <a:rPr kumimoji="1" lang="ja-JP" altLang="en-US" smtClean="0"/>
+              <a:rPr kumimoji="1" lang="ja-JP" altLang="en-US"/>
               <a:t>レベル</a:t>
             </a:r>
           </a:p>
           <a:p>
             <a:pPr lvl="3"/>
             <a:r>
-              <a:rPr kumimoji="1" lang="ja-JP" altLang="en-US" smtClean="0"/>
+              <a:rPr kumimoji="1" lang="ja-JP" altLang="en-US"/>
               <a:t>第 </a:t>
             </a:r>
             <a:r>
-              <a:rPr kumimoji="1" lang="en-US" altLang="ja-JP" smtClean="0"/>
+              <a:rPr kumimoji="1" lang="en-US" altLang="ja-JP"/>
               <a:t>4 </a:t>
             </a:r>
             <a:r>
-              <a:rPr kumimoji="1" lang="ja-JP" altLang="en-US" smtClean="0"/>
+              <a:rPr kumimoji="1" lang="ja-JP" altLang="en-US"/>
               <a:t>レベル</a:t>
             </a:r>
           </a:p>
           <a:p>
             <a:pPr lvl="4"/>
             <a:r>
-              <a:rPr kumimoji="1" lang="ja-JP" altLang="en-US" smtClean="0"/>
+              <a:rPr kumimoji="1" lang="ja-JP" altLang="en-US"/>
               <a:t>第 </a:t>
             </a:r>
             <a:r>
-              <a:rPr kumimoji="1" lang="en-US" altLang="ja-JP" smtClean="0"/>
+              <a:rPr kumimoji="1" lang="en-US" altLang="ja-JP"/>
               <a:t>5 </a:t>
             </a:r>
             <a:r>
-              <a:rPr kumimoji="1" lang="ja-JP" altLang="en-US" smtClean="0"/>
+              <a:rPr kumimoji="1" lang="ja-JP" altLang="en-US"/>
               <a:t>レベル</a:t>
             </a:r>
-            <a:endParaRPr kumimoji="1" lang="ja-JP" altLang="en-US"/>
           </a:p>
         </p:txBody>
       </p:sp>
@@ -2995,7 +2937,7 @@
           <a:p>
             <a:fld id="{75DF374B-5A28-43D7-942F-B4F3E0EAB137}" type="datetime1">
               <a:rPr kumimoji="1" lang="ja-JP" altLang="en-US" smtClean="0"/>
-              <a:t>2017/2/5</a:t>
+              <a:t>2017/6/27</a:t>
             </a:fld>
             <a:endParaRPr kumimoji="1" lang="ja-JP" altLang="en-US"/>
           </a:p>
@@ -3200,13 +3142,6 @@
   <p:clrMapOvr>
     <a:masterClrMapping/>
   </p:clrMapOvr>
-  <p:timing>
-    <p:tnLst>
-      <p:par>
-        <p:cTn id="1" dur="indefinite" restart="never" nodeType="tmRoot"/>
-      </p:par>
-    </p:tnLst>
-  </p:timing>
 </p:sldLayout>
 </file>
 
@@ -3248,10 +3183,9 @@
           <a:lstStyle/>
           <a:p>
             <a:r>
-              <a:rPr kumimoji="1" lang="ja-JP" altLang="en-US" smtClean="0"/>
+              <a:rPr kumimoji="1" lang="ja-JP" altLang="en-US"/>
               <a:t>マスター タイトルの書式設定</a:t>
             </a:r>
-            <a:endParaRPr kumimoji="1" lang="ja-JP" altLang="en-US"/>
           </a:p>
         </p:txBody>
       </p:sp>
@@ -3314,7 +3248,7 @@
           <a:p>
             <a:pPr lvl="0"/>
             <a:r>
-              <a:rPr kumimoji="1" lang="ja-JP" altLang="en-US" smtClean="0"/>
+              <a:rPr kumimoji="1" lang="ja-JP" altLang="en-US"/>
               <a:t>マスター テキストの書式設定</a:t>
             </a:r>
           </a:p>
@@ -3342,70 +3276,69 @@
           <a:p>
             <a:pPr lvl="0"/>
             <a:r>
-              <a:rPr kumimoji="1" lang="ja-JP" altLang="en-US" smtClean="0"/>
+              <a:rPr kumimoji="1" lang="ja-JP" altLang="en-US"/>
               <a:t>マスター テキストの書式設定</a:t>
             </a:r>
           </a:p>
           <a:p>
             <a:pPr lvl="1"/>
             <a:r>
-              <a:rPr kumimoji="1" lang="ja-JP" altLang="en-US" smtClean="0"/>
+              <a:rPr kumimoji="1" lang="ja-JP" altLang="en-US"/>
               <a:t>第 </a:t>
             </a:r>
             <a:r>
-              <a:rPr kumimoji="1" lang="en-US" altLang="ja-JP" smtClean="0"/>
+              <a:rPr kumimoji="1" lang="en-US" altLang="ja-JP"/>
               <a:t>2 </a:t>
             </a:r>
             <a:r>
-              <a:rPr kumimoji="1" lang="ja-JP" altLang="en-US" smtClean="0"/>
+              <a:rPr kumimoji="1" lang="ja-JP" altLang="en-US"/>
               <a:t>レベル</a:t>
             </a:r>
           </a:p>
           <a:p>
             <a:pPr lvl="2"/>
             <a:r>
-              <a:rPr kumimoji="1" lang="ja-JP" altLang="en-US" smtClean="0"/>
+              <a:rPr kumimoji="1" lang="ja-JP" altLang="en-US"/>
               <a:t>第 </a:t>
             </a:r>
             <a:r>
-              <a:rPr kumimoji="1" lang="en-US" altLang="ja-JP" smtClean="0"/>
+              <a:rPr kumimoji="1" lang="en-US" altLang="ja-JP"/>
               <a:t>3 </a:t>
             </a:r>
             <a:r>
-              <a:rPr kumimoji="1" lang="ja-JP" altLang="en-US" smtClean="0"/>
+              <a:rPr kumimoji="1" lang="ja-JP" altLang="en-US"/>
               <a:t>レベル</a:t>
             </a:r>
           </a:p>
           <a:p>
             <a:pPr lvl="3"/>
             <a:r>
-              <a:rPr kumimoji="1" lang="ja-JP" altLang="en-US" smtClean="0"/>
+              <a:rPr kumimoji="1" lang="ja-JP" altLang="en-US"/>
               <a:t>第 </a:t>
             </a:r>
             <a:r>
-              <a:rPr kumimoji="1" lang="en-US" altLang="ja-JP" smtClean="0"/>
+              <a:rPr kumimoji="1" lang="en-US" altLang="ja-JP"/>
               <a:t>4 </a:t>
             </a:r>
             <a:r>
-              <a:rPr kumimoji="1" lang="ja-JP" altLang="en-US" smtClean="0"/>
+              <a:rPr kumimoji="1" lang="ja-JP" altLang="en-US"/>
               <a:t>レベル</a:t>
             </a:r>
           </a:p>
           <a:p>
             <a:pPr lvl="4"/>
             <a:r>
-              <a:rPr kumimoji="1" lang="ja-JP" altLang="en-US" smtClean="0"/>
+              <a:rPr kumimoji="1" lang="ja-JP" altLang="en-US"/>
               <a:t>第 </a:t>
             </a:r>
             <a:r>
-              <a:rPr kumimoji="1" lang="en-US" altLang="ja-JP" smtClean="0"/>
+              <a:rPr kumimoji="1" lang="en-US" altLang="ja-JP"/>
               <a:t>5 </a:t>
             </a:r>
             <a:r>
-              <a:rPr kumimoji="1" lang="ja-JP" altLang="en-US" smtClean="0"/>
+              <a:rPr kumimoji="1" lang="ja-JP" altLang="en-US"/>
               <a:t>レベル</a:t>
             </a:r>
-            <a:endParaRPr kumimoji="1" lang="ja-JP" altLang="en-US"/>
           </a:p>
         </p:txBody>
       </p:sp>
@@ -3468,7 +3401,7 @@
           <a:p>
             <a:pPr lvl="0"/>
             <a:r>
-              <a:rPr kumimoji="1" lang="ja-JP" altLang="en-US" smtClean="0"/>
+              <a:rPr kumimoji="1" lang="ja-JP" altLang="en-US"/>
               <a:t>マスター テキストの書式設定</a:t>
             </a:r>
           </a:p>
@@ -3496,70 +3429,69 @@
           <a:p>
             <a:pPr lvl="0"/>
             <a:r>
-              <a:rPr kumimoji="1" lang="ja-JP" altLang="en-US" smtClean="0"/>
+              <a:rPr kumimoji="1" lang="ja-JP" altLang="en-US"/>
               <a:t>マスター テキストの書式設定</a:t>
             </a:r>
           </a:p>
           <a:p>
             <a:pPr lvl="1"/>
             <a:r>
-              <a:rPr kumimoji="1" lang="ja-JP" altLang="en-US" smtClean="0"/>
+              <a:rPr kumimoji="1" lang="ja-JP" altLang="en-US"/>
               <a:t>第 </a:t>
             </a:r>
             <a:r>
-              <a:rPr kumimoji="1" lang="en-US" altLang="ja-JP" smtClean="0"/>
+              <a:rPr kumimoji="1" lang="en-US" altLang="ja-JP"/>
               <a:t>2 </a:t>
             </a:r>
             <a:r>
-              <a:rPr kumimoji="1" lang="ja-JP" altLang="en-US" smtClean="0"/>
+              <a:rPr kumimoji="1" lang="ja-JP" altLang="en-US"/>
               <a:t>レベル</a:t>
             </a:r>
           </a:p>
           <a:p>
             <a:pPr lvl="2"/>
             <a:r>
-              <a:rPr kumimoji="1" lang="ja-JP" altLang="en-US" smtClean="0"/>
+              <a:rPr kumimoji="1" lang="ja-JP" altLang="en-US"/>
               <a:t>第 </a:t>
             </a:r>
             <a:r>
-              <a:rPr kumimoji="1" lang="en-US" altLang="ja-JP" smtClean="0"/>
+              <a:rPr kumimoji="1" lang="en-US" altLang="ja-JP"/>
               <a:t>3 </a:t>
             </a:r>
             <a:r>
-              <a:rPr kumimoji="1" lang="ja-JP" altLang="en-US" smtClean="0"/>
+              <a:rPr kumimoji="1" lang="ja-JP" altLang="en-US"/>
               <a:t>レベル</a:t>
             </a:r>
           </a:p>
           <a:p>
             <a:pPr lvl="3"/>
             <a:r>
-              <a:rPr kumimoji="1" lang="ja-JP" altLang="en-US" smtClean="0"/>
+              <a:rPr kumimoji="1" lang="ja-JP" altLang="en-US"/>
               <a:t>第 </a:t>
             </a:r>
             <a:r>
-              <a:rPr kumimoji="1" lang="en-US" altLang="ja-JP" smtClean="0"/>
+              <a:rPr kumimoji="1" lang="en-US" altLang="ja-JP"/>
               <a:t>4 </a:t>
             </a:r>
             <a:r>
-              <a:rPr kumimoji="1" lang="ja-JP" altLang="en-US" smtClean="0"/>
+              <a:rPr kumimoji="1" lang="ja-JP" altLang="en-US"/>
               <a:t>レベル</a:t>
             </a:r>
           </a:p>
           <a:p>
             <a:pPr lvl="4"/>
             <a:r>
-              <a:rPr kumimoji="1" lang="ja-JP" altLang="en-US" smtClean="0"/>
+              <a:rPr kumimoji="1" lang="ja-JP" altLang="en-US"/>
               <a:t>第 </a:t>
             </a:r>
             <a:r>
-              <a:rPr kumimoji="1" lang="en-US" altLang="ja-JP" smtClean="0"/>
+              <a:rPr kumimoji="1" lang="en-US" altLang="ja-JP"/>
               <a:t>5 </a:t>
             </a:r>
             <a:r>
-              <a:rPr kumimoji="1" lang="ja-JP" altLang="en-US" smtClean="0"/>
+              <a:rPr kumimoji="1" lang="ja-JP" altLang="en-US"/>
               <a:t>レベル</a:t>
             </a:r>
-            <a:endParaRPr kumimoji="1" lang="ja-JP" altLang="en-US"/>
           </a:p>
         </p:txBody>
       </p:sp>
@@ -3580,7 +3512,7 @@
           <a:p>
             <a:fld id="{47393A4A-F693-47C3-8484-32293F1E8705}" type="datetime1">
               <a:rPr kumimoji="1" lang="ja-JP" altLang="en-US" smtClean="0"/>
-              <a:t>2017/2/5</a:t>
+              <a:t>2017/6/27</a:t>
             </a:fld>
             <a:endParaRPr kumimoji="1" lang="ja-JP" altLang="en-US"/>
           </a:p>
@@ -3785,13 +3717,6 @@
   <p:clrMapOvr>
     <a:masterClrMapping/>
   </p:clrMapOvr>
-  <p:timing>
-    <p:tnLst>
-      <p:par>
-        <p:cTn id="1" dur="indefinite" restart="never" nodeType="tmRoot"/>
-      </p:par>
-    </p:tnLst>
-  </p:timing>
 </p:sldLayout>
 </file>
 
@@ -3828,10 +3753,9 @@
           <a:lstStyle/>
           <a:p>
             <a:r>
-              <a:rPr kumimoji="1" lang="ja-JP" altLang="en-US" smtClean="0"/>
+              <a:rPr kumimoji="1" lang="ja-JP" altLang="en-US"/>
               <a:t>マスター タイトルの書式設定</a:t>
             </a:r>
-            <a:endParaRPr kumimoji="1" lang="ja-JP" altLang="en-US"/>
           </a:p>
         </p:txBody>
       </p:sp>
@@ -3852,7 +3776,7 @@
           <a:p>
             <a:fld id="{672635E6-0B81-44FD-9FFC-605D63B0FA78}" type="datetime1">
               <a:rPr kumimoji="1" lang="ja-JP" altLang="en-US" smtClean="0"/>
-              <a:t>2017/2/5</a:t>
+              <a:t>2017/6/27</a:t>
             </a:fld>
             <a:endParaRPr kumimoji="1" lang="ja-JP" altLang="en-US"/>
           </a:p>
@@ -4057,13 +3981,6 @@
   <p:clrMapOvr>
     <a:masterClrMapping/>
   </p:clrMapOvr>
-  <p:timing>
-    <p:tnLst>
-      <p:par>
-        <p:cTn id="1" dur="indefinite" restart="never" nodeType="tmRoot"/>
-      </p:par>
-    </p:tnLst>
-  </p:timing>
 </p:sldLayout>
 </file>
 
@@ -4101,7 +4018,7 @@
           <a:p>
             <a:fld id="{5F3A86C4-8A81-4091-A24A-3E4563B5F2DF}" type="datetime1">
               <a:rPr kumimoji="1" lang="ja-JP" altLang="en-US" smtClean="0"/>
-              <a:t>2017/2/5</a:t>
+              <a:t>2017/6/27</a:t>
             </a:fld>
             <a:endParaRPr kumimoji="1" lang="ja-JP" altLang="en-US"/>
           </a:p>
@@ -4159,13 +4076,6 @@
   <p:clrMapOvr>
     <a:masterClrMapping/>
   </p:clrMapOvr>
-  <p:timing>
-    <p:tnLst>
-      <p:par>
-        <p:cTn id="1" dur="indefinite" restart="never" nodeType="tmRoot"/>
-      </p:par>
-    </p:tnLst>
-  </p:timing>
 </p:sldLayout>
 </file>
 
@@ -4211,10 +4121,9 @@
           </a:lstStyle>
           <a:p>
             <a:r>
-              <a:rPr kumimoji="1" lang="ja-JP" altLang="en-US" smtClean="0"/>
+              <a:rPr kumimoji="1" lang="ja-JP" altLang="en-US"/>
               <a:t>マスター タイトルの書式設定</a:t>
             </a:r>
-            <a:endParaRPr kumimoji="1" lang="ja-JP" altLang="en-US"/>
           </a:p>
         </p:txBody>
       </p:sp>
@@ -4268,70 +4177,69 @@
           <a:p>
             <a:pPr lvl="0"/>
             <a:r>
-              <a:rPr kumimoji="1" lang="ja-JP" altLang="en-US" smtClean="0"/>
+              <a:rPr kumimoji="1" lang="ja-JP" altLang="en-US"/>
               <a:t>マスター テキストの書式設定</a:t>
             </a:r>
           </a:p>
           <a:p>
             <a:pPr lvl="1"/>
             <a:r>
-              <a:rPr kumimoji="1" lang="ja-JP" altLang="en-US" smtClean="0"/>
+              <a:rPr kumimoji="1" lang="ja-JP" altLang="en-US"/>
               <a:t>第 </a:t>
             </a:r>
             <a:r>
-              <a:rPr kumimoji="1" lang="en-US" altLang="ja-JP" smtClean="0"/>
+              <a:rPr kumimoji="1" lang="en-US" altLang="ja-JP"/>
               <a:t>2 </a:t>
             </a:r>
             <a:r>
-              <a:rPr kumimoji="1" lang="ja-JP" altLang="en-US" smtClean="0"/>
+              <a:rPr kumimoji="1" lang="ja-JP" altLang="en-US"/>
               <a:t>レベル</a:t>
             </a:r>
           </a:p>
           <a:p>
             <a:pPr lvl="2"/>
             <a:r>
-              <a:rPr kumimoji="1" lang="ja-JP" altLang="en-US" smtClean="0"/>
+              <a:rPr kumimoji="1" lang="ja-JP" altLang="en-US"/>
               <a:t>第 </a:t>
             </a:r>
             <a:r>
-              <a:rPr kumimoji="1" lang="en-US" altLang="ja-JP" smtClean="0"/>
+              <a:rPr kumimoji="1" lang="en-US" altLang="ja-JP"/>
               <a:t>3 </a:t>
             </a:r>
             <a:r>
-              <a:rPr kumimoji="1" lang="ja-JP" altLang="en-US" smtClean="0"/>
+              <a:rPr kumimoji="1" lang="ja-JP" altLang="en-US"/>
               <a:t>レベル</a:t>
             </a:r>
           </a:p>
           <a:p>
             <a:pPr lvl="3"/>
             <a:r>
-              <a:rPr kumimoji="1" lang="ja-JP" altLang="en-US" smtClean="0"/>
+              <a:rPr kumimoji="1" lang="ja-JP" altLang="en-US"/>
               <a:t>第 </a:t>
             </a:r>
             <a:r>
-              <a:rPr kumimoji="1" lang="en-US" altLang="ja-JP" smtClean="0"/>
+              <a:rPr kumimoji="1" lang="en-US" altLang="ja-JP"/>
               <a:t>4 </a:t>
             </a:r>
             <a:r>
-              <a:rPr kumimoji="1" lang="ja-JP" altLang="en-US" smtClean="0"/>
+              <a:rPr kumimoji="1" lang="ja-JP" altLang="en-US"/>
               <a:t>レベル</a:t>
             </a:r>
           </a:p>
           <a:p>
             <a:pPr lvl="4"/>
             <a:r>
-              <a:rPr kumimoji="1" lang="ja-JP" altLang="en-US" smtClean="0"/>
+              <a:rPr kumimoji="1" lang="ja-JP" altLang="en-US"/>
               <a:t>第 </a:t>
             </a:r>
             <a:r>
-              <a:rPr kumimoji="1" lang="en-US" altLang="ja-JP" smtClean="0"/>
+              <a:rPr kumimoji="1" lang="en-US" altLang="ja-JP"/>
               <a:t>5 </a:t>
             </a:r>
             <a:r>
-              <a:rPr kumimoji="1" lang="ja-JP" altLang="en-US" smtClean="0"/>
+              <a:rPr kumimoji="1" lang="ja-JP" altLang="en-US"/>
               <a:t>レベル</a:t>
             </a:r>
-            <a:endParaRPr kumimoji="1" lang="ja-JP" altLang="en-US"/>
           </a:p>
         </p:txBody>
       </p:sp>
@@ -4394,7 +4302,7 @@
           <a:p>
             <a:pPr lvl="0"/>
             <a:r>
-              <a:rPr kumimoji="1" lang="ja-JP" altLang="en-US" smtClean="0"/>
+              <a:rPr kumimoji="1" lang="ja-JP" altLang="en-US"/>
               <a:t>マスター テキストの書式設定</a:t>
             </a:r>
           </a:p>
@@ -4417,7 +4325,7 @@
           <a:p>
             <a:fld id="{5F7EEC12-A3AD-46DB-A0DB-3A75D1CA1C55}" type="datetime1">
               <a:rPr kumimoji="1" lang="ja-JP" altLang="en-US" smtClean="0"/>
-              <a:t>2017/2/5</a:t>
+              <a:t>2017/6/27</a:t>
             </a:fld>
             <a:endParaRPr kumimoji="1" lang="ja-JP" altLang="en-US"/>
           </a:p>
@@ -4475,13 +4383,6 @@
   <p:clrMapOvr>
     <a:masterClrMapping/>
   </p:clrMapOvr>
-  <p:timing>
-    <p:tnLst>
-      <p:par>
-        <p:cTn id="1" dur="indefinite" restart="never" nodeType="tmRoot"/>
-      </p:par>
-    </p:tnLst>
-  </p:timing>
 </p:sldLayout>
 </file>
 
@@ -4536,10 +4437,9 @@
           <a:lstStyle/>
           <a:p>
             <a:r>
-              <a:rPr kumimoji="1" lang="ja-JP" altLang="en-US" dirty="0" smtClean="0"/>
+              <a:rPr kumimoji="1" lang="ja-JP" altLang="en-US" dirty="0"/>
               <a:t>マスター タイトルの書式設定</a:t>
             </a:r>
-            <a:endParaRPr kumimoji="1" lang="ja-JP" altLang="en-US" dirty="0"/>
           </a:p>
         </p:txBody>
       </p:sp>
@@ -4570,70 +4470,69 @@
           <a:p>
             <a:pPr lvl="0"/>
             <a:r>
-              <a:rPr kumimoji="1" lang="ja-JP" altLang="en-US" dirty="0" smtClean="0"/>
+              <a:rPr kumimoji="1" lang="ja-JP" altLang="en-US" dirty="0"/>
               <a:t>マスター テキストの書式設定</a:t>
             </a:r>
           </a:p>
           <a:p>
             <a:pPr lvl="1"/>
             <a:r>
-              <a:rPr kumimoji="1" lang="ja-JP" altLang="en-US" dirty="0" smtClean="0"/>
+              <a:rPr kumimoji="1" lang="ja-JP" altLang="en-US" dirty="0"/>
               <a:t>第 </a:t>
             </a:r>
             <a:r>
-              <a:rPr kumimoji="1" lang="en-US" altLang="ja-JP" dirty="0" smtClean="0"/>
+              <a:rPr kumimoji="1" lang="en-US" altLang="ja-JP" dirty="0"/>
               <a:t>2 </a:t>
             </a:r>
             <a:r>
-              <a:rPr kumimoji="1" lang="ja-JP" altLang="en-US" dirty="0" smtClean="0"/>
+              <a:rPr kumimoji="1" lang="ja-JP" altLang="en-US" dirty="0"/>
               <a:t>レベル</a:t>
             </a:r>
           </a:p>
           <a:p>
             <a:pPr lvl="2"/>
             <a:r>
-              <a:rPr kumimoji="1" lang="ja-JP" altLang="en-US" dirty="0" smtClean="0"/>
+              <a:rPr kumimoji="1" lang="ja-JP" altLang="en-US" dirty="0"/>
               <a:t>第 </a:t>
             </a:r>
             <a:r>
-              <a:rPr kumimoji="1" lang="en-US" altLang="ja-JP" dirty="0" smtClean="0"/>
+              <a:rPr kumimoji="1" lang="en-US" altLang="ja-JP" dirty="0"/>
               <a:t>3 </a:t>
             </a:r>
             <a:r>
-              <a:rPr kumimoji="1" lang="ja-JP" altLang="en-US" dirty="0" smtClean="0"/>
+              <a:rPr kumimoji="1" lang="ja-JP" altLang="en-US" dirty="0"/>
               <a:t>レベル</a:t>
             </a:r>
           </a:p>
           <a:p>
             <a:pPr lvl="3"/>
             <a:r>
-              <a:rPr kumimoji="1" lang="ja-JP" altLang="en-US" dirty="0" smtClean="0"/>
+              <a:rPr kumimoji="1" lang="ja-JP" altLang="en-US" dirty="0"/>
               <a:t>第 </a:t>
             </a:r>
             <a:r>
-              <a:rPr kumimoji="1" lang="en-US" altLang="ja-JP" dirty="0" smtClean="0"/>
+              <a:rPr kumimoji="1" lang="en-US" altLang="ja-JP" dirty="0"/>
               <a:t>4 </a:t>
             </a:r>
             <a:r>
-              <a:rPr kumimoji="1" lang="ja-JP" altLang="en-US" dirty="0" smtClean="0"/>
+              <a:rPr kumimoji="1" lang="ja-JP" altLang="en-US" dirty="0"/>
               <a:t>レベル</a:t>
             </a:r>
           </a:p>
           <a:p>
             <a:pPr lvl="4"/>
             <a:r>
-              <a:rPr kumimoji="1" lang="ja-JP" altLang="en-US" dirty="0" smtClean="0"/>
+              <a:rPr kumimoji="1" lang="ja-JP" altLang="en-US" dirty="0"/>
               <a:t>第 </a:t>
             </a:r>
             <a:r>
-              <a:rPr kumimoji="1" lang="en-US" altLang="ja-JP" dirty="0" smtClean="0"/>
+              <a:rPr kumimoji="1" lang="en-US" altLang="ja-JP" dirty="0"/>
               <a:t>5 </a:t>
             </a:r>
             <a:r>
-              <a:rPr kumimoji="1" lang="ja-JP" altLang="en-US" dirty="0" smtClean="0"/>
+              <a:rPr kumimoji="1" lang="ja-JP" altLang="en-US" dirty="0"/>
               <a:t>レベル</a:t>
             </a:r>
-            <a:endParaRPr kumimoji="1" lang="ja-JP" altLang="en-US" dirty="0"/>
           </a:p>
         </p:txBody>
       </p:sp>
@@ -4672,7 +4571,7 @@
           <a:p>
             <a:fld id="{F5D741FB-DD26-45C6-92AF-929B1A99D2EC}" type="datetime1">
               <a:rPr kumimoji="1" lang="ja-JP" altLang="en-US" smtClean="0"/>
-              <a:t>2017/2/5</a:t>
+              <a:t>2017/6/27</a:t>
             </a:fld>
             <a:endParaRPr kumimoji="1" lang="ja-JP" altLang="en-US"/>
           </a:p>
@@ -4778,13 +4677,6 @@
     <p:sldLayoutId id="2147483671" r:id="rId11"/>
     <p:sldLayoutId id="2147483672" r:id="rId12"/>
   </p:sldLayoutIdLst>
-  <p:timing>
-    <p:tnLst>
-      <p:par>
-        <p:cTn id="1" dur="indefinite" restart="never" nodeType="tmRoot"/>
-      </p:par>
-    </p:tnLst>
-  </p:timing>
   <p:hf hdr="0" ftr="0" dt="0"/>
   <p:txStyles>
     <p:titleStyle>
@@ -5107,49 +4999,44 @@
         </p:spPr>
         <p:txBody>
           <a:bodyPr>
-            <a:normAutofit/>
+            <a:noAutofit/>
           </a:bodyPr>
           <a:lstStyle/>
           <a:p>
             <a:r>
-              <a:rPr lang="ja-JP" altLang="ja-JP" sz="4000" dirty="0"/>
+              <a:rPr lang="ja-JP" altLang="ja-JP" sz="2000" dirty="0"/>
               <a:t>重度肢体不自由児のための</a:t>
             </a:r>
             <a:br>
-              <a:rPr lang="ja-JP" altLang="ja-JP" sz="4000" dirty="0"/>
+              <a:rPr lang="ja-JP" altLang="ja-JP" sz="2000" dirty="0"/>
             </a:br>
             <a:r>
-              <a:rPr lang="ja-JP" altLang="ja-JP" sz="4000" dirty="0"/>
-              <a:t>コミュニケーションスキル獲得</a:t>
-            </a:r>
-            <a:r>
-              <a:rPr lang="ja-JP" altLang="ja-JP" sz="4000" dirty="0"/>
-              <a:t>支援</a:t>
-            </a:r>
-            <a:r>
-              <a:rPr lang="en-US" altLang="ja-JP" sz="4000" dirty="0"/>
-              <a:t/>
+              <a:rPr lang="ja-JP" altLang="ja-JP" sz="2000" dirty="0"/>
+              <a:t>コミュニケーションスキル獲得支援</a:t>
             </a:r>
             <a:br>
-              <a:rPr lang="en-US" altLang="ja-JP" sz="4000" dirty="0"/>
+              <a:rPr lang="en-US" altLang="ja-JP" sz="2000" dirty="0"/>
             </a:br>
             <a:r>
-              <a:rPr lang="en-US" altLang="ja-JP" sz="4000" dirty="0"/>
+              <a:rPr lang="en-US" altLang="ja-JP" sz="2000" dirty="0"/>
               <a:t>e</a:t>
             </a:r>
             <a:r>
-              <a:rPr lang="ja-JP" altLang="ja-JP" sz="4000" dirty="0"/>
-              <a:t>ラーニングシステム</a:t>
-            </a:r>
-            <a:r>
-              <a:rPr lang="ja-JP" altLang="ja-JP" sz="4000" dirty="0" smtClean="0"/>
-              <a:t>の</a:t>
-            </a:r>
-            <a:r>
-              <a:rPr lang="ja-JP" altLang="en-US" sz="4000" dirty="0"/>
+              <a:rPr lang="ja-JP" altLang="ja-JP" sz="2000" dirty="0"/>
+              <a:t>ラーニングシステムの</a:t>
+            </a:r>
+            <a:r>
+              <a:rPr lang="ja-JP" altLang="en-US" sz="2000" dirty="0"/>
               <a:t>研究</a:t>
             </a:r>
-            <a:endParaRPr lang="ja-JP" altLang="en-US" sz="4000" dirty="0"/>
+            <a:br>
+              <a:rPr lang="en-US" altLang="ja-JP" sz="2000" dirty="0"/>
+            </a:br>
+            <a:r>
+              <a:rPr lang="en-US" altLang="ja-JP" sz="2000" dirty="0"/>
+              <a:t>Support for acquisition of communication skills for severely physically handicapped children Study of e-learning system</a:t>
+            </a:r>
+            <a:endParaRPr lang="ja-JP" altLang="en-US" sz="2000" dirty="0"/>
           </a:p>
         </p:txBody>
       </p:sp>
@@ -5169,18 +5056,18 @@
           <a:lstStyle/>
           <a:p>
             <a:r>
-              <a:rPr kumimoji="1" lang="ja-JP" altLang="en-US" dirty="0" smtClean="0"/>
+              <a:rPr kumimoji="1" lang="ja-JP" altLang="en-US" dirty="0"/>
               <a:t>専攻科１年 </a:t>
             </a:r>
             <a:r>
-              <a:rPr kumimoji="1" lang="en-US" altLang="ja-JP" dirty="0" smtClean="0"/>
+              <a:rPr kumimoji="1" lang="en-US" altLang="ja-JP" dirty="0"/>
               <a:t>1602014 </a:t>
             </a:r>
             <a:r>
-              <a:rPr kumimoji="1" lang="ja-JP" altLang="en-US" dirty="0" smtClean="0"/>
+              <a:rPr kumimoji="1" lang="ja-JP" altLang="en-US" dirty="0"/>
               <a:t>小林拓矢</a:t>
             </a:r>
-            <a:endParaRPr kumimoji="1" lang="en-US" altLang="ja-JP" dirty="0" smtClean="0"/>
+            <a:endParaRPr kumimoji="1" lang="en-US" altLang="ja-JP" dirty="0"/>
           </a:p>
           <a:p>
             <a:r>
@@ -5217,7 +5104,6 @@
               <a:rPr lang="ja-JP" altLang="en-US" dirty="0"/>
               <a:t>専攻研究１年次中間発表</a:t>
             </a:r>
-            <a:endParaRPr lang="ja-JP" altLang="en-US" dirty="0"/>
           </a:p>
         </p:txBody>
       </p:sp>
@@ -5231,13 +5117,6 @@
   <p:clrMapOvr>
     <a:masterClrMapping/>
   </p:clrMapOvr>
-  <p:timing>
-    <p:tnLst>
-      <p:par>
-        <p:cTn id="1" dur="indefinite" restart="never" nodeType="tmRoot"/>
-      </p:par>
-    </p:tnLst>
-  </p:timing>
 </p:sld>
 </file>
 
@@ -5274,10 +5153,9 @@
           <a:lstStyle/>
           <a:p>
             <a:r>
-              <a:rPr kumimoji="1" lang="ja-JP" altLang="en-US" dirty="0" smtClean="0"/>
+              <a:rPr kumimoji="1" lang="ja-JP" altLang="en-US" dirty="0"/>
               <a:t>スイッチ操作獲得教材について</a:t>
             </a:r>
-            <a:endParaRPr kumimoji="1" lang="ja-JP" altLang="en-US" dirty="0"/>
           </a:p>
         </p:txBody>
       </p:sp>
@@ -5304,19 +5182,15 @@
           <a:lstStyle/>
           <a:p>
             <a:r>
-              <a:rPr kumimoji="1" lang="ja-JP" altLang="en-US" sz="2400" dirty="0" smtClean="0"/>
+              <a:rPr kumimoji="1" lang="ja-JP" altLang="en-US" sz="2400" dirty="0"/>
               <a:t>北海道大学の</a:t>
             </a:r>
             <a:r>
               <a:rPr lang="ja-JP" altLang="ja-JP" sz="2400" dirty="0"/>
-              <a:t>境信哉</a:t>
-            </a:r>
-            <a:r>
-              <a:rPr lang="ja-JP" altLang="ja-JP" sz="2400" dirty="0" smtClean="0"/>
-              <a:t>氏</a:t>
-            </a:r>
-            <a:r>
-              <a:rPr lang="ja-JP" altLang="en-US" sz="2400" dirty="0" smtClean="0"/>
+              <a:t>境信哉氏</a:t>
+            </a:r>
+            <a:r>
+              <a:rPr lang="ja-JP" altLang="en-US" sz="2400" dirty="0"/>
               <a:t>は動画を利用した学習ソフトを開発</a:t>
             </a:r>
             <a:endParaRPr kumimoji="1" lang="ja-JP" altLang="en-US" sz="2400" dirty="0"/>
@@ -5470,7 +5344,6 @@
               <a:rPr lang="ja-JP" altLang="en-US" sz="2000" dirty="0"/>
               <a:t>飽きやすい</a:t>
             </a:r>
-            <a:endParaRPr lang="ja-JP" altLang="en-US" sz="2000" dirty="0"/>
           </a:p>
         </p:txBody>
       </p:sp>
@@ -5592,7 +5465,6 @@
               <a:rPr lang="ja-JP" altLang="en-US" sz="2400" dirty="0"/>
               <a:t>動画を利用</a:t>
             </a:r>
-            <a:endParaRPr lang="ja-JP" altLang="en-US" sz="2400" dirty="0"/>
           </a:p>
         </p:txBody>
       </p:sp>
@@ -5637,7 +5509,6 @@
               <a:rPr lang="ja-JP" altLang="en-US" sz="2000" dirty="0"/>
               <a:t>毎回，新しい動画を使うことができる</a:t>
             </a:r>
-            <a:endParaRPr lang="ja-JP" altLang="en-US" sz="2000" dirty="0"/>
           </a:p>
         </p:txBody>
       </p:sp>
@@ -5671,11 +5542,6 @@
               </a:rPr>
               <a:t>高いモチベーションを維持できる</a:t>
             </a:r>
-            <a:endParaRPr lang="ja-JP" altLang="en-US" sz="2400" b="1" dirty="0">
-              <a:solidFill>
-                <a:srgbClr val="FF0000"/>
-              </a:solidFill>
-            </a:endParaRPr>
           </a:p>
         </p:txBody>
       </p:sp>
@@ -5735,13 +5601,6 @@
   <p:clrMapOvr>
     <a:masterClrMapping/>
   </p:clrMapOvr>
-  <p:timing>
-    <p:tnLst>
-      <p:par>
-        <p:cTn id="1" dur="indefinite" restart="never" nodeType="tmRoot"/>
-      </p:par>
-    </p:tnLst>
-  </p:timing>
 </p:sld>
 </file>
 
@@ -5780,10 +5639,9 @@
           <a:lstStyle/>
           <a:p>
             <a:r>
-              <a:rPr kumimoji="1" lang="ja-JP" altLang="en-US" sz="3600" dirty="0" smtClean="0"/>
+              <a:rPr kumimoji="1" lang="ja-JP" altLang="en-US" sz="3600" dirty="0"/>
               <a:t>境氏開発ソフトの問題点と改善案</a:t>
             </a:r>
-            <a:endParaRPr kumimoji="1" lang="ja-JP" altLang="en-US" sz="3600" dirty="0"/>
           </a:p>
         </p:txBody>
       </p:sp>
@@ -5814,50 +5672,50 @@
               <a:buAutoNum type="circleNumDbPlain"/>
             </a:pPr>
             <a:r>
-              <a:rPr kumimoji="1" lang="en-US" altLang="ja-JP" sz="2000" dirty="0" smtClean="0"/>
+              <a:rPr kumimoji="1" lang="en-US" altLang="ja-JP" sz="2000" dirty="0"/>
               <a:t>Windows</a:t>
             </a:r>
             <a:r>
-              <a:rPr kumimoji="1" lang="ja-JP" altLang="en-US" sz="2000" dirty="0" smtClean="0"/>
+              <a:rPr kumimoji="1" lang="ja-JP" altLang="en-US" sz="2000" dirty="0"/>
               <a:t>上でしか動作しない</a:t>
             </a:r>
-            <a:endParaRPr kumimoji="1" lang="en-US" altLang="ja-JP" sz="2000" dirty="0" smtClean="0"/>
+            <a:endParaRPr kumimoji="1" lang="en-US" altLang="ja-JP" sz="2000" dirty="0"/>
           </a:p>
           <a:p>
             <a:pPr lvl="1"/>
             <a:r>
-              <a:rPr lang="en-US" altLang="ja-JP" sz="1800" dirty="0" smtClean="0"/>
+              <a:rPr lang="en-US" altLang="ja-JP" sz="1800" dirty="0"/>
               <a:t>Visual Basic</a:t>
             </a:r>
             <a:r>
-              <a:rPr lang="ja-JP" altLang="en-US" sz="1800" dirty="0" err="1" smtClean="0"/>
+              <a:rPr lang="ja-JP" altLang="en-US" sz="1800" dirty="0" err="1"/>
               <a:t>で開</a:t>
             </a:r>
             <a:r>
-              <a:rPr lang="ja-JP" altLang="en-US" sz="1800" dirty="0" smtClean="0"/>
+              <a:rPr lang="ja-JP" altLang="en-US" sz="1800" dirty="0"/>
               <a:t>発されている</a:t>
             </a:r>
-            <a:endParaRPr lang="en-US" altLang="ja-JP" sz="1800" dirty="0" smtClean="0"/>
+            <a:endParaRPr lang="en-US" altLang="ja-JP" sz="1800" dirty="0"/>
           </a:p>
           <a:p>
             <a:pPr lvl="1"/>
             <a:r>
-              <a:rPr lang="ja-JP" altLang="en-US" sz="1800" dirty="0" smtClean="0"/>
+              <a:rPr lang="ja-JP" altLang="en-US" sz="1800" dirty="0"/>
               <a:t>モバイル端末で利用したい</a:t>
             </a:r>
-            <a:endParaRPr lang="en-US" altLang="ja-JP" sz="1800" dirty="0" smtClean="0"/>
+            <a:endParaRPr lang="en-US" altLang="ja-JP" sz="1800" dirty="0"/>
           </a:p>
           <a:p>
             <a:pPr marL="457200" lvl="1" indent="0">
               <a:buNone/>
             </a:pPr>
-            <a:endParaRPr kumimoji="1" lang="en-US" altLang="ja-JP" sz="2000" dirty="0" smtClean="0"/>
+            <a:endParaRPr kumimoji="1" lang="en-US" altLang="ja-JP" sz="2000" dirty="0"/>
           </a:p>
           <a:p>
             <a:pPr marL="457200" lvl="1" indent="0">
               <a:buNone/>
             </a:pPr>
-            <a:endParaRPr kumimoji="1" lang="en-US" altLang="ja-JP" sz="2000" dirty="0" smtClean="0"/>
+            <a:endParaRPr kumimoji="1" lang="en-US" altLang="ja-JP" sz="2000" dirty="0"/>
           </a:p>
           <a:p>
             <a:pPr marL="514350" indent="-514350">
@@ -5866,37 +5724,17 @@
             </a:pPr>
             <a:r>
               <a:rPr lang="ja-JP" altLang="en-US" sz="2000" dirty="0"/>
-              <a:t>動画</a:t>
-            </a:r>
-            <a:r>
-              <a:rPr lang="ja-JP" altLang="en-US" sz="2000" dirty="0" smtClean="0"/>
-              <a:t>を</a:t>
-            </a:r>
-            <a:r>
-              <a:rPr lang="ja-JP" altLang="en-US" sz="2000" dirty="0"/>
-              <a:t>自分</a:t>
-            </a:r>
-            <a:r>
-              <a:rPr lang="ja-JP" altLang="en-US" sz="2000" dirty="0" smtClean="0"/>
-              <a:t>で用意</a:t>
-            </a:r>
-            <a:r>
-              <a:rPr lang="ja-JP" altLang="en-US" sz="2000" dirty="0"/>
-              <a:t>しなければ</a:t>
-            </a:r>
-            <a:r>
-              <a:rPr lang="ja-JP" altLang="en-US" sz="2000" dirty="0" smtClean="0"/>
-              <a:t>ならない</a:t>
-            </a:r>
-            <a:endParaRPr lang="en-US" altLang="ja-JP" sz="2000" dirty="0" smtClean="0"/>
+              <a:t>動画を自分で用意しなければならない</a:t>
+            </a:r>
+            <a:endParaRPr lang="en-US" altLang="ja-JP" sz="2000" dirty="0"/>
           </a:p>
           <a:p>
             <a:pPr lvl="1"/>
             <a:r>
-              <a:rPr kumimoji="1" lang="ja-JP" altLang="en-US" sz="1800" dirty="0" smtClean="0"/>
+              <a:rPr kumimoji="1" lang="ja-JP" altLang="en-US" sz="1800" dirty="0"/>
               <a:t>教員が動画を制作するのは困難</a:t>
             </a:r>
-            <a:endParaRPr kumimoji="1" lang="en-US" altLang="ja-JP" sz="1800" dirty="0" smtClean="0"/>
+            <a:endParaRPr kumimoji="1" lang="en-US" altLang="ja-JP" sz="1800" dirty="0"/>
           </a:p>
         </p:txBody>
       </p:sp>
@@ -6034,7 +5872,6 @@
               <a:rPr lang="ja-JP" altLang="en-US" sz="2000" dirty="0"/>
               <a:t>ブラウザ上で動作）</a:t>
             </a:r>
-            <a:endParaRPr lang="ja-JP" altLang="en-US" sz="2000" dirty="0"/>
           </a:p>
         </p:txBody>
       </p:sp>
@@ -6125,7 +5962,6 @@
               <a:rPr lang="ja-JP" altLang="en-US" sz="2000" dirty="0"/>
               <a:t>を使用</a:t>
             </a:r>
-            <a:endParaRPr lang="ja-JP" altLang="en-US" sz="2000" dirty="0"/>
           </a:p>
         </p:txBody>
       </p:sp>
@@ -6168,7 +6004,6 @@
               <a:rPr lang="ja-JP" altLang="en-US" sz="2800" b="1" dirty="0"/>
               <a:t>ラーニングシステムに移植</a:t>
             </a:r>
-            <a:endParaRPr lang="ja-JP" altLang="en-US" sz="2800" b="1" dirty="0"/>
           </a:p>
         </p:txBody>
       </p:sp>
@@ -6202,11 +6037,6 @@
               </a:rPr>
               <a:t>問題点</a:t>
             </a:r>
-            <a:endParaRPr lang="ja-JP" altLang="en-US" sz="2400" dirty="0">
-              <a:solidFill>
-                <a:srgbClr val="FF0000"/>
-              </a:solidFill>
-            </a:endParaRPr>
           </a:p>
         </p:txBody>
       </p:sp>
@@ -6240,11 +6070,6 @@
               </a:rPr>
               <a:t>改善案</a:t>
             </a:r>
-            <a:endParaRPr lang="ja-JP" altLang="en-US" sz="2400" dirty="0">
-              <a:solidFill>
-                <a:srgbClr val="FF0000"/>
-              </a:solidFill>
-            </a:endParaRPr>
           </a:p>
         </p:txBody>
       </p:sp>
@@ -6258,13 +6083,6 @@
   <p:clrMapOvr>
     <a:masterClrMapping/>
   </p:clrMapOvr>
-  <p:timing>
-    <p:tnLst>
-      <p:par>
-        <p:cTn id="1" dur="indefinite" restart="never" nodeType="tmRoot"/>
-      </p:par>
-    </p:tnLst>
-  </p:timing>
 </p:sld>
 </file>
 
@@ -6301,14 +6119,13 @@
           <a:lstStyle/>
           <a:p>
             <a:r>
-              <a:rPr kumimoji="1" lang="en-US" altLang="ja-JP" dirty="0" smtClean="0"/>
+              <a:rPr kumimoji="1" lang="en-US" altLang="ja-JP" dirty="0"/>
               <a:t>YouTube Player API</a:t>
             </a:r>
             <a:r>
-              <a:rPr kumimoji="1" lang="ja-JP" altLang="en-US" dirty="0" smtClean="0"/>
+              <a:rPr kumimoji="1" lang="ja-JP" altLang="en-US" dirty="0"/>
               <a:t>について</a:t>
             </a:r>
-            <a:endParaRPr kumimoji="1" lang="ja-JP" altLang="en-US" dirty="0"/>
           </a:p>
         </p:txBody>
       </p:sp>
@@ -6335,31 +6152,30 @@
           <a:lstStyle/>
           <a:p>
             <a:r>
-              <a:rPr kumimoji="1" lang="ja-JP" altLang="en-US" sz="2400" dirty="0" smtClean="0"/>
+              <a:rPr kumimoji="1" lang="ja-JP" altLang="en-US" sz="2400" dirty="0"/>
               <a:t>公式が提供している</a:t>
             </a:r>
             <a:r>
-              <a:rPr kumimoji="1" lang="en-US" altLang="ja-JP" sz="2400" dirty="0" smtClean="0"/>
+              <a:rPr kumimoji="1" lang="en-US" altLang="ja-JP" sz="2400" dirty="0"/>
               <a:t>API</a:t>
             </a:r>
           </a:p>
           <a:p>
             <a:r>
-              <a:rPr lang="en-US" altLang="ja-JP" sz="2400" dirty="0" smtClean="0"/>
+              <a:rPr lang="en-US" altLang="ja-JP" sz="2400" dirty="0"/>
               <a:t>JavaScript</a:t>
             </a:r>
             <a:r>
-              <a:rPr lang="ja-JP" altLang="en-US" sz="2400" dirty="0" smtClean="0"/>
+              <a:rPr lang="ja-JP" altLang="en-US" sz="2400" dirty="0"/>
               <a:t>を介して，動画プレーヤーを制御できる</a:t>
             </a:r>
-            <a:endParaRPr lang="en-US" altLang="ja-JP" sz="2400" dirty="0" smtClean="0"/>
-          </a:p>
-          <a:p>
-            <a:r>
-              <a:rPr kumimoji="1" lang="ja-JP" altLang="en-US" sz="2400" dirty="0" smtClean="0"/>
+            <a:endParaRPr lang="en-US" altLang="ja-JP" sz="2400" dirty="0"/>
+          </a:p>
+          <a:p>
+            <a:r>
+              <a:rPr kumimoji="1" lang="ja-JP" altLang="en-US" sz="2400" dirty="0"/>
               <a:t>関数を呼び出して，再生・一時停止・シーク・音量調節などの操作を行える</a:t>
             </a:r>
-            <a:endParaRPr kumimoji="1" lang="ja-JP" altLang="en-US" sz="2400" dirty="0"/>
           </a:p>
         </p:txBody>
       </p:sp>
@@ -6471,7 +6287,6 @@
               <a:rPr lang="ja-JP" altLang="en-US" sz="2000" dirty="0"/>
               <a:t>埋め込みコード</a:t>
             </a:r>
-            <a:endParaRPr lang="ja-JP" altLang="en-US" sz="2000" dirty="0"/>
           </a:p>
         </p:txBody>
       </p:sp>
@@ -6521,7 +6336,6 @@
               <a:rPr lang="ja-JP" altLang="en-US" sz="2000" dirty="0"/>
               <a:t>再生・一時停止などはユーザー操作でのみ行える</a:t>
             </a:r>
-            <a:endParaRPr lang="ja-JP" altLang="en-US" sz="2000" dirty="0"/>
           </a:p>
         </p:txBody>
       </p:sp>
@@ -6535,13 +6349,6 @@
   <p:clrMapOvr>
     <a:masterClrMapping/>
   </p:clrMapOvr>
-  <p:timing>
-    <p:tnLst>
-      <p:par>
-        <p:cTn id="1" dur="indefinite" restart="never" nodeType="tmRoot"/>
-      </p:par>
-    </p:tnLst>
-  </p:timing>
 </p:sld>
 </file>
 
@@ -6578,10 +6385,9 @@
           <a:lstStyle/>
           <a:p>
             <a:r>
-              <a:rPr kumimoji="1" lang="ja-JP" altLang="en-US" dirty="0" smtClean="0"/>
+              <a:rPr kumimoji="1" lang="ja-JP" altLang="en-US" dirty="0"/>
               <a:t>開発した学習ソフトの紹介</a:t>
             </a:r>
-            <a:endParaRPr kumimoji="1" lang="ja-JP" altLang="en-US" dirty="0"/>
           </a:p>
         </p:txBody>
       </p:sp>
@@ -6634,7 +6440,6 @@
               <a:rPr lang="ja-JP" altLang="en-US" sz="2000" dirty="0"/>
               <a:t>①動画を用いたクリック教材</a:t>
             </a:r>
-            <a:endParaRPr lang="ja-JP" altLang="en-US" sz="2000" dirty="0"/>
           </a:p>
         </p:txBody>
       </p:sp>
@@ -6744,7 +6549,6 @@
                 <a:rPr lang="ja-JP" altLang="en-US" b="1" dirty="0"/>
                 <a:t>目的</a:t>
               </a:r>
-              <a:endParaRPr lang="ja-JP" altLang="en-US" b="1" dirty="0"/>
             </a:p>
           </p:txBody>
         </p:sp>
@@ -6787,15 +6591,7 @@
               </a:pPr>
               <a:r>
                 <a:rPr lang="ja-JP" altLang="en-US" dirty="0"/>
-                <a:t>因果関係</a:t>
-              </a:r>
-              <a:r>
-                <a:rPr lang="ja-JP" altLang="en-US" dirty="0"/>
-                <a:t>を</a:t>
-              </a:r>
-              <a:r>
-                <a:rPr lang="ja-JP" altLang="en-US" dirty="0"/>
-                <a:t>理解する</a:t>
+                <a:t>因果関係を理解する</a:t>
               </a:r>
             </a:p>
           </p:txBody>
@@ -6835,7 +6631,6 @@
               <a:rPr lang="ja-JP" altLang="en-US" sz="2000" dirty="0"/>
               <a:t>を学習する教材</a:t>
             </a:r>
-            <a:endParaRPr lang="ja-JP" altLang="en-US" sz="2000" dirty="0"/>
           </a:p>
         </p:txBody>
       </p:sp>
@@ -6945,7 +6740,6 @@
                 <a:rPr lang="ja-JP" altLang="en-US" b="1" dirty="0"/>
                 <a:t>目的</a:t>
               </a:r>
-              <a:endParaRPr lang="ja-JP" altLang="en-US" b="1" dirty="0"/>
             </a:p>
           </p:txBody>
         </p:sp>
@@ -6996,11 +6790,7 @@
               </a:pPr>
               <a:r>
                 <a:rPr lang="ja-JP" altLang="en-US" dirty="0"/>
-                <a:t>スイッチ</a:t>
-              </a:r>
-              <a:r>
-                <a:rPr lang="ja-JP" altLang="en-US" dirty="0"/>
-                <a:t>を</a:t>
+                <a:t>スイッチを</a:t>
               </a:r>
               <a:r>
                 <a:rPr lang="en-US" altLang="ja-JP" dirty="0"/>
@@ -7010,7 +6800,6 @@
                 <a:rPr lang="ja-JP" altLang="en-US" dirty="0"/>
                 <a:t>にしてはいけない場面を理解する</a:t>
               </a:r>
-              <a:endParaRPr lang="ja-JP" altLang="en-US" dirty="0"/>
             </a:p>
           </p:txBody>
         </p:sp>
@@ -7041,7 +6830,6 @@
               <a:rPr lang="ja-JP" altLang="en-US" sz="2000" dirty="0"/>
               <a:t>③オートスキャン獲得教材</a:t>
             </a:r>
-            <a:endParaRPr lang="ja-JP" altLang="en-US" sz="2000" dirty="0"/>
           </a:p>
         </p:txBody>
       </p:sp>
@@ -7151,7 +6939,6 @@
                 <a:rPr lang="ja-JP" altLang="en-US" b="1" dirty="0"/>
                 <a:t>目的</a:t>
               </a:r>
-              <a:endParaRPr lang="ja-JP" altLang="en-US" b="1" dirty="0"/>
             </a:p>
           </p:txBody>
         </p:sp>
@@ -7188,7 +6975,6 @@
                 <a:rPr lang="ja-JP" altLang="en-US" dirty="0"/>
                 <a:t>オートスキャン獲得</a:t>
               </a:r>
-              <a:endParaRPr lang="ja-JP" altLang="en-US" dirty="0"/>
             </a:p>
           </p:txBody>
         </p:sp>
@@ -7357,7 +7143,6 @@
               <a:rPr lang="ja-JP" altLang="en-US" sz="2800" dirty="0"/>
               <a:t>文字学習へ</a:t>
             </a:r>
-            <a:endParaRPr lang="ja-JP" altLang="en-US" sz="2800" dirty="0"/>
           </a:p>
         </p:txBody>
       </p:sp>
@@ -7401,13 +7186,6 @@
   <p:clrMapOvr>
     <a:masterClrMapping/>
   </p:clrMapOvr>
-  <p:timing>
-    <p:tnLst>
-      <p:par>
-        <p:cTn id="1" dur="indefinite" restart="never" nodeType="tmRoot"/>
-      </p:par>
-    </p:tnLst>
-  </p:timing>
 </p:sld>
 </file>
 
@@ -7444,10 +7222,9 @@
           <a:lstStyle/>
           <a:p>
             <a:r>
-              <a:rPr kumimoji="1" lang="ja-JP" altLang="en-US" dirty="0" smtClean="0"/>
+              <a:rPr kumimoji="1" lang="ja-JP" altLang="en-US" dirty="0"/>
               <a:t>動画を用いたクリック教材</a:t>
             </a:r>
-            <a:endParaRPr kumimoji="1" lang="ja-JP" altLang="en-US" dirty="0"/>
           </a:p>
         </p:txBody>
       </p:sp>
@@ -7580,7 +7357,6 @@
                 <a:rPr lang="ja-JP" altLang="en-US" sz="2000" b="1" dirty="0"/>
                 <a:t>目的</a:t>
               </a:r>
-              <a:endParaRPr lang="ja-JP" altLang="en-US" sz="2000" b="1" dirty="0"/>
             </a:p>
           </p:txBody>
         </p:sp>
@@ -7623,15 +7399,7 @@
               </a:pPr>
               <a:r>
                 <a:rPr lang="ja-JP" altLang="en-US" sz="2000" dirty="0"/>
-                <a:t>因果関係</a:t>
-              </a:r>
-              <a:r>
-                <a:rPr lang="ja-JP" altLang="en-US" sz="2000" dirty="0"/>
-                <a:t>を</a:t>
-              </a:r>
-              <a:r>
-                <a:rPr lang="ja-JP" altLang="en-US" sz="2000" dirty="0"/>
-                <a:t>理解する</a:t>
+                <a:t>因果関係を理解する</a:t>
               </a:r>
             </a:p>
           </p:txBody>
@@ -7703,17 +7471,8 @@
             </a:r>
             <a:r>
               <a:rPr lang="ja-JP" altLang="en-US" sz="2000" dirty="0"/>
-              <a:t>か端末内のファイルを選択</a:t>
-            </a:r>
-            <a:r>
-              <a:rPr lang="ja-JP" altLang="en-US" sz="2000" dirty="0" smtClean="0"/>
-              <a:t>して動画</a:t>
-            </a:r>
-            <a:r>
-              <a:rPr lang="ja-JP" altLang="en-US" sz="2000" dirty="0"/>
-              <a:t>を読み込む</a:t>
-            </a:r>
-            <a:endParaRPr lang="ja-JP" altLang="en-US" sz="2000" dirty="0"/>
+              <a:t>か端末内のファイルを選択して動画を読み込む</a:t>
+            </a:r>
           </a:p>
         </p:txBody>
       </p:sp>
@@ -7875,7 +7634,6 @@
               <a:rPr lang="ja-JP" altLang="en-US" sz="2000" dirty="0"/>
               <a:t>スイッチを押すたびに再生・一時停止</a:t>
             </a:r>
-            <a:endParaRPr lang="ja-JP" altLang="en-US" sz="2000" dirty="0"/>
           </a:p>
         </p:txBody>
       </p:sp>
@@ -7922,7 +7680,6 @@
               <a:rPr lang="ja-JP" altLang="en-US" sz="2000" b="1" dirty="0"/>
               <a:t>学習スタート</a:t>
             </a:r>
-            <a:endParaRPr lang="ja-JP" altLang="en-US" sz="2000" b="1" dirty="0"/>
           </a:p>
         </p:txBody>
       </p:sp>
@@ -7936,13 +7693,6 @@
   <p:clrMapOvr>
     <a:masterClrMapping/>
   </p:clrMapOvr>
-  <p:timing>
-    <p:tnLst>
-      <p:par>
-        <p:cTn id="1" dur="indefinite" restart="never" nodeType="tmRoot"/>
-      </p:par>
-    </p:tnLst>
-  </p:timing>
 </p:sld>
 </file>
 
@@ -7981,18 +7731,17 @@
           <a:lstStyle/>
           <a:p>
             <a:r>
-              <a:rPr kumimoji="1" lang="ja-JP" altLang="en-US" dirty="0" smtClean="0"/>
+              <a:rPr kumimoji="1" lang="ja-JP" altLang="en-US" dirty="0"/>
               <a:t>スイッチの</a:t>
             </a:r>
             <a:r>
-              <a:rPr kumimoji="1" lang="en-US" altLang="ja-JP" dirty="0" smtClean="0"/>
+              <a:rPr kumimoji="1" lang="en-US" altLang="ja-JP" dirty="0"/>
               <a:t>ON/OFF</a:t>
             </a:r>
             <a:r>
-              <a:rPr kumimoji="1" lang="ja-JP" altLang="en-US" dirty="0" smtClean="0"/>
+              <a:rPr kumimoji="1" lang="ja-JP" altLang="en-US" dirty="0"/>
               <a:t>を学習する教材</a:t>
             </a:r>
-            <a:endParaRPr kumimoji="1" lang="ja-JP" altLang="en-US" dirty="0"/>
           </a:p>
         </p:txBody>
       </p:sp>
@@ -8125,7 +7874,6 @@
                 <a:rPr lang="ja-JP" altLang="en-US" b="1" dirty="0"/>
                 <a:t>目的</a:t>
               </a:r>
-              <a:endParaRPr lang="ja-JP" altLang="en-US" b="1" dirty="0"/>
             </a:p>
           </p:txBody>
         </p:sp>
@@ -8176,11 +7924,7 @@
               </a:pPr>
               <a:r>
                 <a:rPr lang="ja-JP" altLang="en-US" dirty="0"/>
-                <a:t>スイッチ</a:t>
-              </a:r>
-              <a:r>
-                <a:rPr lang="ja-JP" altLang="en-US" dirty="0"/>
-                <a:t>を</a:t>
+                <a:t>スイッチを</a:t>
               </a:r>
               <a:r>
                 <a:rPr lang="en-US" altLang="ja-JP" dirty="0"/>
@@ -8190,7 +7934,6 @@
                 <a:rPr lang="ja-JP" altLang="en-US" dirty="0"/>
                 <a:t>にしてはいけない場面を理解する</a:t>
               </a:r>
-              <a:endParaRPr lang="ja-JP" altLang="en-US" dirty="0"/>
             </a:p>
           </p:txBody>
         </p:sp>
@@ -8238,7 +7981,6 @@
               <a:rPr lang="ja-JP" altLang="en-US" sz="2000" b="1" dirty="0"/>
               <a:t>準備</a:t>
             </a:r>
-            <a:endParaRPr lang="ja-JP" altLang="en-US" sz="2000" b="1" dirty="0"/>
           </a:p>
         </p:txBody>
       </p:sp>
@@ -8281,31 +8023,7 @@
             </a:pPr>
             <a:r>
               <a:rPr lang="ja-JP" altLang="en-US" sz="2000" dirty="0"/>
-              <a:t>自動</a:t>
-            </a:r>
-            <a:r>
-              <a:rPr lang="ja-JP" altLang="en-US" sz="2000" dirty="0"/>
-              <a:t>で</a:t>
-            </a:r>
-            <a:r>
-              <a:rPr lang="ja-JP" altLang="en-US" sz="2000" dirty="0"/>
-              <a:t>止まるまで</a:t>
-            </a:r>
-            <a:r>
-              <a:rPr lang="ja-JP" altLang="en-US" sz="2000" dirty="0"/>
-              <a:t>の</a:t>
-            </a:r>
-            <a:r>
-              <a:rPr lang="ja-JP" altLang="en-US" sz="2000" dirty="0"/>
-              <a:t>時間</a:t>
-            </a:r>
-            <a:r>
-              <a:rPr lang="ja-JP" altLang="en-US" sz="2000" dirty="0"/>
-              <a:t>を設定</a:t>
-            </a:r>
-            <a:r>
-              <a:rPr lang="ja-JP" altLang="en-US" sz="2000" dirty="0"/>
-              <a:t>する</a:t>
+              <a:t>自動で止まるまでの時間を設定する</a:t>
             </a:r>
           </a:p>
         </p:txBody>
@@ -8353,7 +8071,6 @@
               <a:rPr lang="ja-JP" altLang="en-US" sz="2000" b="1" dirty="0"/>
               <a:t>学習スタート</a:t>
             </a:r>
-            <a:endParaRPr lang="ja-JP" altLang="en-US" sz="2000" b="1" dirty="0"/>
           </a:p>
         </p:txBody>
       </p:sp>
@@ -8497,7 +8214,6 @@
               <a:rPr lang="ja-JP" altLang="en-US" sz="2000" dirty="0"/>
               <a:t>設定時間経過で自動停止</a:t>
             </a:r>
-            <a:endParaRPr lang="ja-JP" altLang="en-US" sz="2000" dirty="0"/>
           </a:p>
         </p:txBody>
       </p:sp>
@@ -8588,13 +8304,8 @@
             <a:pPr algn="ctr"/>
             <a:r>
               <a:rPr lang="ja-JP" altLang="en-US" sz="2000" dirty="0"/>
-              <a:t>途中</a:t>
-            </a:r>
-            <a:r>
-              <a:rPr lang="ja-JP" altLang="en-US" sz="2000" dirty="0"/>
-              <a:t>から再生</a:t>
-            </a:r>
-            <a:endParaRPr lang="ja-JP" altLang="en-US" sz="2000" dirty="0"/>
+              <a:t>途中から再生</a:t>
+            </a:r>
           </a:p>
         </p:txBody>
       </p:sp>
@@ -8679,13 +8390,8 @@
             </a:pPr>
             <a:r>
               <a:rPr lang="ja-JP" altLang="en-US" sz="2000" dirty="0"/>
-              <a:t>音量</a:t>
-            </a:r>
-            <a:r>
-              <a:rPr lang="ja-JP" altLang="en-US" sz="2000" dirty="0"/>
-              <a:t>が０になる</a:t>
-            </a:r>
-            <a:endParaRPr lang="ja-JP" altLang="en-US" sz="2000" dirty="0"/>
+              <a:t>音量が０になる</a:t>
+            </a:r>
           </a:p>
         </p:txBody>
       </p:sp>
@@ -8845,11 +8551,7 @@
               </a:pPr>
               <a:r>
                 <a:rPr lang="ja-JP" altLang="en-US" dirty="0"/>
-                <a:t>停止して</a:t>
-              </a:r>
-              <a:r>
-                <a:rPr lang="ja-JP" altLang="en-US" dirty="0"/>
-                <a:t>から５秒以内にスイッチを</a:t>
+                <a:t>停止してから５秒以内にスイッチを</a:t>
               </a:r>
               <a:r>
                 <a:rPr lang="en-US" altLang="ja-JP" dirty="0"/>
@@ -8859,7 +8561,6 @@
                 <a:rPr lang="ja-JP" altLang="en-US" dirty="0"/>
                 <a:t>にした割合</a:t>
               </a:r>
-              <a:endParaRPr lang="ja-JP" altLang="en-US" dirty="0"/>
             </a:p>
           </p:txBody>
         </p:sp>
@@ -8874,13 +8575,6 @@
   <p:clrMapOvr>
     <a:masterClrMapping/>
   </p:clrMapOvr>
-  <p:timing>
-    <p:tnLst>
-      <p:par>
-        <p:cTn id="1" dur="indefinite" restart="never" nodeType="tmRoot"/>
-      </p:par>
-    </p:tnLst>
-  </p:timing>
 </p:sld>
 </file>
 
@@ -8917,10 +8611,9 @@
           <a:lstStyle/>
           <a:p>
             <a:r>
-              <a:rPr kumimoji="1" lang="ja-JP" altLang="en-US" dirty="0" smtClean="0"/>
+              <a:rPr kumimoji="1" lang="ja-JP" altLang="en-US" dirty="0"/>
               <a:t>オートスキャン獲得教材</a:t>
             </a:r>
-            <a:endParaRPr kumimoji="1" lang="ja-JP" altLang="en-US" dirty="0"/>
           </a:p>
         </p:txBody>
       </p:sp>
@@ -9053,7 +8746,6 @@
                 <a:rPr lang="ja-JP" altLang="en-US" b="1" dirty="0"/>
                 <a:t>目的</a:t>
               </a:r>
-              <a:endParaRPr lang="ja-JP" altLang="en-US" b="1" dirty="0"/>
             </a:p>
           </p:txBody>
         </p:sp>
@@ -9090,7 +8782,6 @@
                 <a:rPr lang="ja-JP" altLang="en-US" dirty="0"/>
                 <a:t>オートスキャン獲得</a:t>
               </a:r>
-              <a:endParaRPr lang="ja-JP" altLang="en-US" dirty="0"/>
             </a:p>
           </p:txBody>
         </p:sp>
@@ -9208,7 +8899,6 @@
               <a:rPr lang="ja-JP" altLang="en-US" sz="2000" dirty="0"/>
               <a:t>オートスキャン</a:t>
             </a:r>
-            <a:endParaRPr lang="ja-JP" altLang="en-US" sz="2000" dirty="0"/>
           </a:p>
         </p:txBody>
       </p:sp>
@@ -9284,7 +8974,6 @@
               <a:rPr lang="ja-JP" altLang="en-US" dirty="0"/>
               <a:t>正解を選択</a:t>
             </a:r>
-            <a:endParaRPr lang="ja-JP" altLang="en-US" dirty="0"/>
           </a:p>
         </p:txBody>
       </p:sp>
@@ -9360,7 +9049,6 @@
               <a:rPr lang="ja-JP" altLang="en-US" dirty="0"/>
               <a:t>不正解を選択</a:t>
             </a:r>
-            <a:endParaRPr lang="ja-JP" altLang="en-US" dirty="0"/>
           </a:p>
         </p:txBody>
       </p:sp>
@@ -9390,7 +9078,6 @@
               <a:rPr lang="ja-JP" altLang="en-US" dirty="0"/>
               <a:t>好む動画を再生</a:t>
             </a:r>
-            <a:endParaRPr lang="ja-JP" altLang="en-US" dirty="0"/>
           </a:p>
         </p:txBody>
       </p:sp>
@@ -9420,7 +9107,6 @@
               <a:rPr lang="ja-JP" altLang="en-US" dirty="0"/>
               <a:t>好まない動画を再生</a:t>
             </a:r>
-            <a:endParaRPr lang="ja-JP" altLang="en-US" dirty="0"/>
           </a:p>
         </p:txBody>
       </p:sp>
@@ -9530,7 +9216,6 @@
                 <a:rPr lang="ja-JP" altLang="en-US" b="1" dirty="0"/>
                 <a:t>設定項目</a:t>
               </a:r>
-              <a:endParaRPr lang="ja-JP" altLang="en-US" b="1" dirty="0"/>
             </a:p>
           </p:txBody>
         </p:sp>
@@ -9584,19 +9269,7 @@
               </a:pPr>
               <a:r>
                 <a:rPr lang="ja-JP" altLang="en-US" dirty="0"/>
-                <a:t>動画</a:t>
-              </a:r>
-              <a:r>
-                <a:rPr lang="ja-JP" altLang="en-US" dirty="0"/>
-                <a:t>の</a:t>
-              </a:r>
-              <a:r>
-                <a:rPr lang="ja-JP" altLang="en-US" dirty="0"/>
-                <a:t>再生</a:t>
-              </a:r>
-              <a:r>
-                <a:rPr lang="ja-JP" altLang="en-US" dirty="0"/>
-                <a:t>時間</a:t>
+                <a:t>動画の再生時間</a:t>
               </a:r>
               <a:endParaRPr lang="en-US" altLang="ja-JP" dirty="0"/>
             </a:p>
@@ -9607,11 +9280,7 @@
               </a:pPr>
               <a:r>
                 <a:rPr lang="ja-JP" altLang="en-US" dirty="0"/>
-                <a:t>選択肢</a:t>
-              </a:r>
-              <a:r>
-                <a:rPr lang="ja-JP" altLang="en-US" dirty="0"/>
-                <a:t>の数（２～４）</a:t>
+                <a:t>選択肢の数（２～４）</a:t>
               </a:r>
               <a:endParaRPr lang="en-US" altLang="ja-JP" dirty="0"/>
             </a:p>
@@ -9622,11 +9291,7 @@
               </a:pPr>
               <a:r>
                 <a:rPr lang="ja-JP" altLang="en-US" dirty="0"/>
-                <a:t>スキャン</a:t>
-              </a:r>
-              <a:r>
-                <a:rPr lang="ja-JP" altLang="en-US" dirty="0"/>
-                <a:t>設定</a:t>
+                <a:t>スキャン設定</a:t>
               </a:r>
               <a:endParaRPr lang="en-US" altLang="ja-JP" dirty="0"/>
             </a:p>
@@ -9772,7 +9437,6 @@
                 <a:rPr lang="ja-JP" altLang="en-US" dirty="0"/>
                 <a:t>好む動画を選択した割合</a:t>
               </a:r>
-              <a:endParaRPr lang="ja-JP" altLang="en-US" dirty="0"/>
             </a:p>
           </p:txBody>
         </p:sp>
@@ -9818,7 +9482,6 @@
               <a:rPr lang="ja-JP" altLang="en-US" b="1" dirty="0"/>
               <a:t>文字学習へ</a:t>
             </a:r>
-            <a:endParaRPr lang="ja-JP" altLang="en-US" b="1" dirty="0"/>
           </a:p>
         </p:txBody>
       </p:sp>
@@ -9832,13 +9495,6 @@
   <p:clrMapOvr>
     <a:masterClrMapping/>
   </p:clrMapOvr>
-  <p:timing>
-    <p:tnLst>
-      <p:par>
-        <p:cTn id="1" dur="indefinite" restart="never" nodeType="tmRoot"/>
-      </p:par>
-    </p:tnLst>
-  </p:timing>
 </p:sld>
 </file>
 
@@ -9878,11 +9534,7 @@
           <a:p>
             <a:r>
               <a:rPr lang="ja-JP" altLang="en-US" sz="2800" dirty="0"/>
-              <a:t>盛岡青松支援</a:t>
-            </a:r>
-            <a:r>
-              <a:rPr lang="ja-JP" altLang="en-US" sz="2800" dirty="0" smtClean="0"/>
-              <a:t>学校で使っていただいた様子</a:t>
+              <a:t>盛岡青松支援学校で使っていただいた様子</a:t>
             </a:r>
             <a:endParaRPr kumimoji="1" lang="ja-JP" altLang="en-US" sz="2800" dirty="0"/>
           </a:p>
@@ -10001,7 +9653,6 @@
               <a:rPr lang="ja-JP" altLang="en-US" sz="2400" dirty="0"/>
               <a:t>使用者の許可を得ています</a:t>
             </a:r>
-            <a:endParaRPr lang="ja-JP" altLang="en-US" sz="2400" dirty="0"/>
           </a:p>
         </p:txBody>
       </p:sp>
@@ -10061,13 +9712,6 @@
   <p:clrMapOvr>
     <a:masterClrMapping/>
   </p:clrMapOvr>
-  <p:timing>
-    <p:tnLst>
-      <p:par>
-        <p:cTn id="1" dur="indefinite" restart="never" nodeType="tmRoot"/>
-      </p:par>
-    </p:tnLst>
-  </p:timing>
 </p:sld>
 </file>
 
@@ -10104,10 +9748,9 @@
           <a:lstStyle/>
           <a:p>
             <a:r>
-              <a:rPr kumimoji="1" lang="ja-JP" altLang="en-US" dirty="0" smtClean="0"/>
+              <a:rPr kumimoji="1" lang="ja-JP" altLang="en-US" dirty="0"/>
               <a:t>アンケート調査</a:t>
             </a:r>
-            <a:endParaRPr kumimoji="1" lang="ja-JP" altLang="en-US" dirty="0"/>
           </a:p>
         </p:txBody>
       </p:sp>
@@ -10129,124 +9772,116 @@
           <a:lstStyle/>
           <a:p>
             <a:r>
-              <a:rPr kumimoji="1" lang="en-US" altLang="ja-JP" sz="2400" dirty="0" smtClean="0"/>
+              <a:rPr kumimoji="1" lang="en-US" altLang="ja-JP" sz="2400" dirty="0"/>
               <a:t>2017</a:t>
             </a:r>
             <a:r>
-              <a:rPr kumimoji="1" lang="ja-JP" altLang="en-US" sz="2400" dirty="0" smtClean="0"/>
+              <a:rPr kumimoji="1" lang="ja-JP" altLang="en-US" sz="2400" dirty="0"/>
               <a:t>年</a:t>
             </a:r>
             <a:r>
-              <a:rPr kumimoji="1" lang="en-US" altLang="ja-JP" sz="2400" dirty="0" smtClean="0"/>
+              <a:rPr kumimoji="1" lang="en-US" altLang="ja-JP" sz="2400" dirty="0"/>
               <a:t>1</a:t>
             </a:r>
             <a:r>
-              <a:rPr kumimoji="1" lang="ja-JP" altLang="en-US" sz="2400" dirty="0" smtClean="0"/>
+              <a:rPr kumimoji="1" lang="ja-JP" altLang="en-US" sz="2400" dirty="0"/>
               <a:t>月</a:t>
             </a:r>
             <a:r>
-              <a:rPr kumimoji="1" lang="en-US" altLang="ja-JP" sz="2400" dirty="0" smtClean="0"/>
+              <a:rPr kumimoji="1" lang="en-US" altLang="ja-JP" sz="2400" dirty="0"/>
               <a:t>7</a:t>
             </a:r>
             <a:r>
-              <a:rPr kumimoji="1" lang="ja-JP" altLang="en-US" sz="2400" dirty="0" smtClean="0"/>
+              <a:rPr kumimoji="1" lang="ja-JP" altLang="en-US" sz="2400" dirty="0"/>
               <a:t>日に開催された第</a:t>
             </a:r>
             <a:r>
-              <a:rPr kumimoji="1" lang="en-US" altLang="ja-JP" sz="2400" dirty="0" smtClean="0"/>
+              <a:rPr kumimoji="1" lang="en-US" altLang="ja-JP" sz="2400" dirty="0"/>
               <a:t>43</a:t>
             </a:r>
             <a:r>
-              <a:rPr kumimoji="1" lang="ja-JP" altLang="en-US" sz="2400" dirty="0" smtClean="0"/>
+              <a:rPr kumimoji="1" lang="ja-JP" altLang="en-US" sz="2400" dirty="0"/>
               <a:t>回マジカルトイボックス・イベントでアンケート調査</a:t>
             </a:r>
-            <a:endParaRPr kumimoji="1" lang="en-US" altLang="ja-JP" sz="2400" dirty="0" smtClean="0"/>
-          </a:p>
-          <a:p>
-            <a:r>
-              <a:rPr lang="ja-JP" altLang="en-US" sz="2400" dirty="0" smtClean="0"/>
-              <a:t>対象：特別</a:t>
-            </a:r>
+            <a:endParaRPr kumimoji="1" lang="en-US" altLang="ja-JP" sz="2400" dirty="0"/>
+          </a:p>
+          <a:p>
             <a:r>
               <a:rPr lang="ja-JP" altLang="en-US" sz="2400" dirty="0"/>
-              <a:t>支援</a:t>
-            </a:r>
-            <a:r>
-              <a:rPr lang="ja-JP" altLang="en-US" sz="2400" dirty="0" smtClean="0"/>
-              <a:t>学校教員等</a:t>
-            </a:r>
-            <a:r>
-              <a:rPr lang="en-US" altLang="ja-JP" sz="2400" dirty="0" smtClean="0"/>
+              <a:t>対象：特別支援学校教員等</a:t>
+            </a:r>
+            <a:r>
+              <a:rPr lang="en-US" altLang="ja-JP" sz="2400" dirty="0"/>
               <a:t>11</a:t>
             </a:r>
             <a:r>
-              <a:rPr lang="ja-JP" altLang="en-US" sz="2400" dirty="0" smtClean="0"/>
+              <a:rPr lang="ja-JP" altLang="en-US" sz="2400" dirty="0"/>
               <a:t>名</a:t>
             </a:r>
-            <a:endParaRPr lang="en-US" altLang="ja-JP" sz="2400" dirty="0" smtClean="0"/>
+            <a:endParaRPr lang="en-US" altLang="ja-JP" sz="2400" dirty="0"/>
           </a:p>
           <a:p>
             <a:endParaRPr kumimoji="1" lang="en-US" altLang="ja-JP" sz="2400" dirty="0"/>
           </a:p>
           <a:p>
             <a:r>
-              <a:rPr kumimoji="1" lang="ja-JP" altLang="en-US" sz="2400" dirty="0" smtClean="0"/>
+              <a:rPr kumimoji="1" lang="ja-JP" altLang="en-US" sz="2400" dirty="0"/>
               <a:t>「この教材について実際に使いたいと思うか」</a:t>
             </a:r>
-            <a:endParaRPr kumimoji="1" lang="en-US" altLang="ja-JP" sz="2400" dirty="0" smtClean="0"/>
+            <a:endParaRPr kumimoji="1" lang="en-US" altLang="ja-JP" sz="2400" dirty="0"/>
           </a:p>
           <a:p>
             <a:pPr marL="0" indent="0">
               <a:buNone/>
             </a:pPr>
             <a:r>
-              <a:rPr lang="ja-JP" altLang="en-US" sz="2400" dirty="0" smtClean="0"/>
+              <a:rPr lang="ja-JP" altLang="en-US" sz="2400" dirty="0"/>
               <a:t>・思う　　・思わない　　・わからない</a:t>
             </a:r>
-            <a:endParaRPr lang="en-US" altLang="ja-JP" sz="2400" dirty="0" smtClean="0"/>
+            <a:endParaRPr lang="en-US" altLang="ja-JP" sz="2400" dirty="0"/>
           </a:p>
           <a:p>
             <a:pPr marL="0" indent="0">
               <a:buNone/>
             </a:pPr>
-            <a:endParaRPr lang="en-US" altLang="ja-JP" sz="2400" dirty="0" smtClean="0"/>
+            <a:endParaRPr lang="en-US" altLang="ja-JP" sz="2400" dirty="0"/>
           </a:p>
           <a:p>
             <a:pPr marL="0" indent="0">
               <a:buNone/>
             </a:pPr>
             <a:r>
-              <a:rPr kumimoji="1" lang="ja-JP" altLang="en-US" sz="2400" dirty="0" smtClean="0"/>
+              <a:rPr kumimoji="1" lang="ja-JP" altLang="en-US" sz="2400" dirty="0"/>
               <a:t>思う　　　：９</a:t>
             </a:r>
-            <a:endParaRPr kumimoji="1" lang="en-US" altLang="ja-JP" sz="2400" dirty="0" smtClean="0"/>
+            <a:endParaRPr kumimoji="1" lang="en-US" altLang="ja-JP" sz="2400" dirty="0"/>
           </a:p>
           <a:p>
             <a:pPr marL="0" indent="0">
               <a:buNone/>
             </a:pPr>
             <a:r>
-              <a:rPr lang="ja-JP" altLang="en-US" sz="2400" dirty="0" smtClean="0"/>
+              <a:rPr lang="ja-JP" altLang="en-US" sz="2400" dirty="0"/>
               <a:t>思わない　：０</a:t>
             </a:r>
-            <a:endParaRPr lang="en-US" altLang="ja-JP" sz="2400" dirty="0" smtClean="0"/>
+            <a:endParaRPr lang="en-US" altLang="ja-JP" sz="2400" dirty="0"/>
           </a:p>
           <a:p>
             <a:pPr marL="0" indent="0">
               <a:buNone/>
             </a:pPr>
             <a:r>
-              <a:rPr kumimoji="1" lang="ja-JP" altLang="en-US" sz="2400" dirty="0" smtClean="0"/>
+              <a:rPr kumimoji="1" lang="ja-JP" altLang="en-US" sz="2400" dirty="0"/>
               <a:t>わからない：０</a:t>
             </a:r>
-            <a:endParaRPr kumimoji="1" lang="en-US" altLang="ja-JP" sz="2400" dirty="0" smtClean="0"/>
+            <a:endParaRPr kumimoji="1" lang="en-US" altLang="ja-JP" sz="2400" dirty="0"/>
           </a:p>
           <a:p>
             <a:pPr marL="0" indent="0">
               <a:buNone/>
             </a:pPr>
             <a:r>
-              <a:rPr lang="ja-JP" altLang="en-US" sz="2400" dirty="0" smtClean="0"/>
+              <a:rPr lang="ja-JP" altLang="en-US" sz="2400" dirty="0"/>
               <a:t>無回答　　：２</a:t>
             </a:r>
             <a:endParaRPr kumimoji="1" lang="ja-JP" altLang="en-US" sz="2400" dirty="0"/>
@@ -10346,13 +9981,8 @@
           <a:p>
             <a:r>
               <a:rPr lang="ja-JP" altLang="en-US" sz="2800" b="1" dirty="0"/>
-              <a:t>この</a:t>
-            </a:r>
-            <a:r>
-              <a:rPr lang="ja-JP" altLang="en-US" sz="2800" b="1" dirty="0" smtClean="0"/>
-              <a:t>教材が必要とされている</a:t>
-            </a:r>
-            <a:endParaRPr lang="ja-JP" altLang="en-US" sz="2800" b="1" dirty="0"/>
+              <a:t>この教材が必要とされている</a:t>
+            </a:r>
           </a:p>
         </p:txBody>
       </p:sp>
@@ -10366,13 +9996,6 @@
   <p:clrMapOvr>
     <a:masterClrMapping/>
   </p:clrMapOvr>
-  <p:timing>
-    <p:tnLst>
-      <p:par>
-        <p:cTn id="1" dur="indefinite" restart="never" nodeType="tmRoot"/>
-      </p:par>
-    </p:tnLst>
-  </p:timing>
 </p:sld>
 </file>
 
@@ -10409,10 +10032,9 @@
           <a:lstStyle/>
           <a:p>
             <a:r>
-              <a:rPr kumimoji="1" lang="ja-JP" altLang="en-US" dirty="0" smtClean="0"/>
+              <a:rPr kumimoji="1" lang="ja-JP" altLang="en-US" dirty="0"/>
               <a:t>研究計画</a:t>
             </a:r>
-            <a:endParaRPr kumimoji="1" lang="ja-JP" altLang="en-US" dirty="0"/>
           </a:p>
         </p:txBody>
       </p:sp>
@@ -10461,7 +10083,7 @@
           <a:graphicData uri="http://schemas.openxmlformats.org/presentationml/2006/ole">
             <mc:AlternateContent xmlns:mc="http://schemas.openxmlformats.org/markup-compatibility/2006">
               <mc:Choice xmlns:v="urn:schemas-microsoft-com:vml" Requires="v">
-                <p:oleObj spid="_x0000_s4164" name="ワークシート" r:id="rId3" imgW="10668037" imgH="4124176" progId="Excel.Sheet.8">
+                <p:oleObj spid="_x0000_s4165" name="ワークシート" r:id="rId3" imgW="10668037" imgH="4124176" progId="Excel.Sheet.8">
                   <p:embed/>
                 </p:oleObj>
               </mc:Choice>
@@ -10496,6 +10118,66 @@
           </a:graphicData>
         </a:graphic>
       </p:graphicFrame>
+      <p:pic>
+        <p:nvPicPr>
+          <p:cNvPr id="4119" name="Line 1">
+            <a:extLst>
+              <a:ext uri="{FF2B5EF4-FFF2-40B4-BE49-F238E27FC236}">
+                <a16:creationId xmlns:a16="http://schemas.microsoft.com/office/drawing/2014/main" id="{F1D12217-3FEB-404A-91D7-7D60F8B7740B}"/>
+              </a:ext>
+            </a:extLst>
+          </p:cNvPr>
+          <p:cNvPicPr>
+            <a:picLocks noChangeAspect="1" noChangeArrowheads="1"/>
+          </p:cNvPicPr>
+          <p:nvPr/>
+        </p:nvPicPr>
+        <p:blipFill>
+          <a:blip r:embed="rId5">
+            <a:extLst>
+              <a:ext uri="{28A0092B-C50C-407E-A947-70E740481C1C}">
+                <a14:useLocalDpi xmlns:a14="http://schemas.microsoft.com/office/drawing/2010/main" val="0"/>
+              </a:ext>
+            </a:extLst>
+          </a:blip>
+          <a:srcRect/>
+          <a:stretch>
+            <a:fillRect/>
+          </a:stretch>
+        </p:blipFill>
+        <p:spPr bwMode="auto">
+          <a:xfrm>
+            <a:off x="295275" y="66675"/>
+            <a:ext cx="333375" cy="47625"/>
+          </a:xfrm>
+          <a:prstGeom prst="rect">
+            <a:avLst/>
+          </a:prstGeom>
+          <a:noFill/>
+          <a:ln>
+            <a:noFill/>
+          </a:ln>
+          <a:extLst>
+            <a:ext uri="{909E8E84-426E-40DD-AFC4-6F175D3DCCD1}">
+              <a14:hiddenFill xmlns:a14="http://schemas.microsoft.com/office/drawing/2010/main">
+                <a:solidFill>
+                  <a:srgbClr val="FFFFFF"/>
+                </a:solidFill>
+              </a14:hiddenFill>
+            </a:ext>
+            <a:ext uri="{91240B29-F687-4F45-9708-019B960494DF}">
+              <a14:hiddenLine xmlns:a14="http://schemas.microsoft.com/office/drawing/2010/main" w="9525">
+                <a:solidFill>
+                  <a:srgbClr val="000000"/>
+                </a:solidFill>
+                <a:miter lim="800000"/>
+                <a:headEnd/>
+                <a:tailEnd/>
+              </a14:hiddenLine>
+            </a:ext>
+          </a:extLst>
+        </p:spPr>
+      </p:pic>
     </p:spTree>
     <p:extLst>
       <p:ext uri="{BB962C8B-B14F-4D97-AF65-F5344CB8AC3E}">
@@ -10542,10 +10224,9 @@
           <a:lstStyle/>
           <a:p>
             <a:r>
-              <a:rPr kumimoji="1" lang="ja-JP" altLang="en-US" dirty="0" smtClean="0"/>
+              <a:rPr kumimoji="1" lang="ja-JP" altLang="en-US" dirty="0"/>
               <a:t>重度肢体不自由児について</a:t>
             </a:r>
-            <a:endParaRPr kumimoji="1" lang="ja-JP" altLang="en-US" dirty="0"/>
           </a:p>
         </p:txBody>
       </p:sp>
@@ -10617,11 +10298,7 @@
             </a:pPr>
             <a:r>
               <a:rPr lang="ja-JP" altLang="en-US" sz="2400" dirty="0"/>
-              <a:t>脳</a:t>
-            </a:r>
-            <a:r>
-              <a:rPr lang="ja-JP" altLang="en-US" sz="2400" dirty="0"/>
-              <a:t>疾患が原因の場合は知的障害の合併症を有することも</a:t>
+              <a:t>脳疾患が原因の場合は知的障害の合併症を有することも</a:t>
             </a:r>
             <a:endParaRPr lang="en-US" altLang="ja-JP" sz="2400" dirty="0"/>
           </a:p>
@@ -10637,7 +10314,6 @@
               <a:rPr lang="ja-JP" altLang="en-US" sz="2400" dirty="0"/>
               <a:t>視知覚など知覚認知の発達の偏り</a:t>
             </a:r>
-            <a:endParaRPr lang="ja-JP" altLang="en-US" sz="2400" dirty="0"/>
           </a:p>
         </p:txBody>
       </p:sp>
@@ -10695,11 +10371,6 @@
               </a:rPr>
               <a:t>困難</a:t>
             </a:r>
-            <a:endParaRPr lang="ja-JP" altLang="en-US" sz="2800" dirty="0">
-              <a:solidFill>
-                <a:srgbClr val="FF0000"/>
-              </a:solidFill>
-            </a:endParaRPr>
           </a:p>
         </p:txBody>
       </p:sp>
@@ -10799,7 +10470,6 @@
               <a:rPr lang="ja-JP" altLang="en-US" sz="2800" dirty="0"/>
               <a:t>になってしまう</a:t>
             </a:r>
-            <a:endParaRPr lang="ja-JP" altLang="en-US" sz="2800" dirty="0"/>
           </a:p>
         </p:txBody>
       </p:sp>
@@ -10813,13 +10483,6 @@
   <p:clrMapOvr>
     <a:masterClrMapping/>
   </p:clrMapOvr>
-  <p:timing>
-    <p:tnLst>
-      <p:par>
-        <p:cTn id="1" dur="indefinite" restart="never" nodeType="tmRoot"/>
-      </p:par>
-    </p:tnLst>
-  </p:timing>
 </p:sld>
 </file>
 
@@ -10856,10 +10519,9 @@
           <a:lstStyle/>
           <a:p>
             <a:r>
-              <a:rPr kumimoji="1" lang="ja-JP" altLang="en-US" dirty="0" smtClean="0"/>
+              <a:rPr kumimoji="1" lang="ja-JP" altLang="en-US" dirty="0"/>
               <a:t>今後の予定</a:t>
             </a:r>
-            <a:endParaRPr kumimoji="1" lang="ja-JP" altLang="en-US" dirty="0"/>
           </a:p>
         </p:txBody>
       </p:sp>
@@ -10883,12 +10545,8 @@
               <a:buChar char="l"/>
             </a:pPr>
             <a:r>
-              <a:rPr lang="ja-JP" altLang="en-US" dirty="0" smtClean="0"/>
-              <a:t>環境</a:t>
-            </a:r>
-            <a:r>
               <a:rPr lang="ja-JP" altLang="en-US" dirty="0"/>
-              <a:t>の違いによるバグの修正</a:t>
+              <a:t>環境の違いによるバグの修正</a:t>
             </a:r>
           </a:p>
           <a:p>
@@ -10897,12 +10555,8 @@
               <a:buChar char="l"/>
             </a:pPr>
             <a:r>
-              <a:rPr lang="ja-JP" altLang="en-US" dirty="0" smtClean="0"/>
-              <a:t>学習</a:t>
-            </a:r>
-            <a:r>
               <a:rPr lang="ja-JP" altLang="en-US" dirty="0"/>
-              <a:t>管理システムとの連携</a:t>
+              <a:t>学習管理システムとの連携</a:t>
             </a:r>
           </a:p>
           <a:p>
@@ -10911,12 +10565,8 @@
               <a:buChar char="l"/>
             </a:pPr>
             <a:r>
-              <a:rPr lang="ja-JP" altLang="en-US" dirty="0" smtClean="0"/>
-              <a:t>学習</a:t>
-            </a:r>
-            <a:r>
               <a:rPr lang="ja-JP" altLang="en-US" dirty="0"/>
-              <a:t>習得状況把握表（</a:t>
+              <a:t>学習習得状況把握表（</a:t>
             </a:r>
             <a:r>
               <a:rPr lang="en-US" altLang="ja-JP" dirty="0"/>
@@ -10933,12 +10583,8 @@
               <a:buChar char="l"/>
             </a:pPr>
             <a:r>
-              <a:rPr lang="ja-JP" altLang="en-US" dirty="0" smtClean="0"/>
-              <a:t>シンボルコミュニケーション</a:t>
-            </a:r>
-            <a:r>
               <a:rPr lang="ja-JP" altLang="en-US" dirty="0"/>
-              <a:t>への拡張</a:t>
+              <a:t>シンボルコミュニケーションへの拡張</a:t>
             </a:r>
           </a:p>
           <a:p>
@@ -10947,12 +10593,8 @@
               <a:buChar char="l"/>
             </a:pPr>
             <a:r>
-              <a:rPr lang="ja-JP" altLang="en-US" dirty="0" smtClean="0"/>
-              <a:t>文字</a:t>
-            </a:r>
-            <a:r>
               <a:rPr lang="ja-JP" altLang="en-US" dirty="0"/>
-              <a:t>学習教材の充実</a:t>
+              <a:t>文字学習教材の充実</a:t>
             </a:r>
           </a:p>
           <a:p>
@@ -10961,12 +10603,8 @@
               <a:buChar char="l"/>
             </a:pPr>
             <a:r>
-              <a:rPr lang="ja-JP" altLang="en-US" dirty="0" smtClean="0"/>
-              <a:t>利用</a:t>
-            </a:r>
-            <a:r>
               <a:rPr lang="ja-JP" altLang="en-US" dirty="0"/>
-              <a:t>講習会・研修会</a:t>
+              <a:t>利用講習会・研修会</a:t>
             </a:r>
             <a:endParaRPr kumimoji="1" lang="ja-JP" altLang="en-US" dirty="0"/>
           </a:p>
@@ -11005,13 +10643,6 @@
   <p:clrMapOvr>
     <a:masterClrMapping/>
   </p:clrMapOvr>
-  <p:timing>
-    <p:tnLst>
-      <p:par>
-        <p:cTn id="1" dur="indefinite" restart="never" nodeType="tmRoot"/>
-      </p:par>
-    </p:tnLst>
-  </p:timing>
 </p:sld>
 </file>
 
@@ -11081,7 +10712,6 @@
               <a:rPr lang="ja-JP" altLang="en-US" sz="3600" dirty="0"/>
               <a:t>ご清聴ありがとうございました</a:t>
             </a:r>
-            <a:endParaRPr lang="ja-JP" altLang="en-US" sz="3600" dirty="0"/>
           </a:p>
         </p:txBody>
       </p:sp>
@@ -11131,10 +10761,9 @@
           <a:lstStyle/>
           <a:p>
             <a:r>
-              <a:rPr kumimoji="1" lang="ja-JP" altLang="en-US" dirty="0" smtClean="0"/>
+              <a:rPr kumimoji="1" lang="ja-JP" altLang="en-US" dirty="0"/>
               <a:t>重度肢体不自由児について</a:t>
             </a:r>
-            <a:endParaRPr kumimoji="1" lang="ja-JP" altLang="en-US" dirty="0"/>
           </a:p>
         </p:txBody>
       </p:sp>
@@ -11193,11 +10822,6 @@
               </a:rPr>
               <a:t>スイッチ活動</a:t>
             </a:r>
-            <a:endParaRPr lang="ja-JP" altLang="en-US" sz="2800" dirty="0">
-              <a:solidFill>
-                <a:schemeClr val="bg1"/>
-              </a:solidFill>
-            </a:endParaRPr>
           </a:p>
         </p:txBody>
       </p:sp>
@@ -11270,17 +10894,8 @@
             </a:pPr>
             <a:r>
               <a:rPr lang="ja-JP" altLang="en-US" sz="2400" dirty="0"/>
-              <a:t>動かせる</a:t>
-            </a:r>
-            <a:r>
-              <a:rPr lang="ja-JP" altLang="en-US" sz="2400" dirty="0"/>
-              <a:t>身体</a:t>
-            </a:r>
-            <a:r>
-              <a:rPr lang="ja-JP" altLang="en-US" sz="2400" dirty="0"/>
-              <a:t>の一部を使い，スイッチを操作</a:t>
-            </a:r>
-            <a:endParaRPr lang="ja-JP" altLang="en-US" sz="2400" dirty="0"/>
+              <a:t>動かせる身体の一部を使い，スイッチを操作</a:t>
+            </a:r>
           </a:p>
         </p:txBody>
       </p:sp>
@@ -11367,10 +10982,9 @@
           <a:lstStyle/>
           <a:p>
             <a:r>
-              <a:rPr lang="ja-JP" altLang="en-US" sz="2000" dirty="0" smtClean="0"/>
+              <a:rPr lang="ja-JP" altLang="en-US" sz="2000" dirty="0"/>
               <a:t>ジェリービーンスイッチ</a:t>
             </a:r>
-            <a:endParaRPr lang="ja-JP" altLang="en-US" sz="2000" dirty="0"/>
           </a:p>
         </p:txBody>
       </p:sp>
@@ -11400,7 +11014,6 @@
               <a:rPr lang="ja-JP" altLang="en-US" sz="2000" dirty="0"/>
               <a:t>ポイントタッチスイッチ</a:t>
             </a:r>
-            <a:endParaRPr lang="ja-JP" altLang="en-US" sz="2000" dirty="0"/>
           </a:p>
         </p:txBody>
       </p:sp>
@@ -11430,7 +11043,6 @@
               <a:rPr lang="ja-JP" altLang="en-US" sz="2000" dirty="0"/>
               <a:t>近接センサースイッチ</a:t>
             </a:r>
-            <a:endParaRPr lang="ja-JP" altLang="en-US" sz="2000" dirty="0"/>
           </a:p>
         </p:txBody>
       </p:sp>
@@ -11496,10 +11108,9 @@
           <a:lstStyle/>
           <a:p>
             <a:r>
-              <a:rPr kumimoji="1" lang="ja-JP" altLang="en-US" sz="2000" dirty="0" smtClean="0"/>
+              <a:rPr kumimoji="1" lang="ja-JP" altLang="en-US" sz="2000" dirty="0"/>
               <a:t>ジェリービーンスイッチ</a:t>
             </a:r>
-            <a:endParaRPr kumimoji="1" lang="ja-JP" altLang="en-US" sz="2000" dirty="0"/>
           </a:p>
         </p:txBody>
       </p:sp>
@@ -11513,13 +11124,6 @@
   <p:clrMapOvr>
     <a:masterClrMapping/>
   </p:clrMapOvr>
-  <p:timing>
-    <p:tnLst>
-      <p:par>
-        <p:cTn id="1" dur="indefinite" restart="never" nodeType="tmRoot"/>
-      </p:par>
-    </p:tnLst>
-  </p:timing>
 </p:sld>
 </file>
 
@@ -11604,17 +11208,9 @@
             </a:pPr>
             <a:r>
               <a:rPr lang="ja-JP" altLang="en-US" sz="2000" dirty="0"/>
-              <a:t>興味</a:t>
-            </a:r>
-            <a:r>
-              <a:rPr lang="ja-JP" altLang="en-US" sz="2000" dirty="0"/>
-              <a:t>を引くミニゲームのような</a:t>
-            </a:r>
-            <a:r>
-              <a:rPr lang="ja-JP" altLang="en-US" sz="2000" dirty="0" smtClean="0"/>
-              <a:t>もの</a:t>
-            </a:r>
-            <a:endParaRPr lang="en-US" altLang="ja-JP" sz="2000" dirty="0" smtClean="0"/>
+              <a:t>興味を引くミニゲームのようなもの</a:t>
+            </a:r>
+            <a:endParaRPr lang="en-US" altLang="ja-JP" sz="2000" dirty="0"/>
           </a:p>
           <a:p>
             <a:pPr marL="285750" indent="-285750">
@@ -11634,7 +11230,7 @@
               <a:buFont typeface="Arial" panose="020B0604020202020204" pitchFamily="34" charset="0"/>
               <a:buChar char="•"/>
             </a:pPr>
-            <a:endParaRPr lang="en-US" altLang="ja-JP" sz="2000" dirty="0" smtClean="0"/>
+            <a:endParaRPr lang="en-US" altLang="ja-JP" sz="2000" dirty="0"/>
           </a:p>
           <a:p>
             <a:pPr marL="285750" indent="-285750">
@@ -11664,10 +11260,9 @@
           <a:lstStyle/>
           <a:p>
             <a:r>
-              <a:rPr kumimoji="1" lang="ja-JP" altLang="en-US" dirty="0" smtClean="0"/>
+              <a:rPr kumimoji="1" lang="ja-JP" altLang="en-US" dirty="0"/>
               <a:t>重度肢体不自由児の学習活動</a:t>
             </a:r>
-            <a:endParaRPr kumimoji="1" lang="ja-JP" altLang="en-US" dirty="0"/>
           </a:p>
         </p:txBody>
       </p:sp>
@@ -11726,11 +11321,6 @@
               </a:rPr>
               <a:t>クリック教材</a:t>
             </a:r>
-            <a:endParaRPr lang="ja-JP" altLang="en-US" sz="2400" dirty="0">
-              <a:solidFill>
-                <a:schemeClr val="bg1"/>
-              </a:solidFill>
-            </a:endParaRPr>
           </a:p>
         </p:txBody>
       </p:sp>
@@ -11843,13 +11433,8 @@
             </a:pPr>
             <a:r>
               <a:rPr lang="ja-JP" altLang="en-US" sz="2400" dirty="0"/>
-              <a:t>　</a:t>
-            </a:r>
-            <a:r>
-              <a:rPr lang="ja-JP" altLang="en-US" sz="2400" dirty="0"/>
-              <a:t>　パソコンでしか動かない</a:t>
-            </a:r>
-            <a:endParaRPr lang="ja-JP" altLang="en-US" sz="2400" dirty="0"/>
+              <a:t>　　パソコンでしか動かない</a:t>
+            </a:r>
           </a:p>
         </p:txBody>
       </p:sp>
@@ -11958,7 +11543,6 @@
               <a:rPr lang="ja-JP" altLang="en-US" sz="2400" dirty="0"/>
               <a:t>　　スマートフォンやタブレットでも動作可能</a:t>
             </a:r>
-            <a:endParaRPr lang="ja-JP" altLang="en-US" sz="2400" dirty="0"/>
           </a:p>
         </p:txBody>
       </p:sp>
@@ -12057,10 +11641,10 @@
               <a:buChar char="•"/>
             </a:pPr>
             <a:r>
-              <a:rPr lang="ja-JP" altLang="en-US" sz="2000" dirty="0" smtClean="0"/>
+              <a:rPr lang="ja-JP" altLang="en-US" sz="2000" dirty="0"/>
               <a:t>家電製品とスイッチを繋いで操作</a:t>
             </a:r>
-            <a:endParaRPr lang="en-US" altLang="ja-JP" sz="2000" dirty="0" smtClean="0"/>
+            <a:endParaRPr lang="en-US" altLang="ja-JP" sz="2000" dirty="0"/>
           </a:p>
           <a:p>
             <a:pPr marL="285750" indent="-285750">
@@ -12072,13 +11656,9 @@
             </a:pPr>
             <a:r>
               <a:rPr lang="ja-JP" altLang="en-US" sz="2000" dirty="0"/>
-              <a:t>役割</a:t>
-            </a:r>
-            <a:r>
-              <a:rPr lang="ja-JP" altLang="en-US" sz="2000" dirty="0" smtClean="0"/>
-              <a:t>を担う</a:t>
-            </a:r>
-            <a:endParaRPr lang="en-US" altLang="ja-JP" sz="2000" dirty="0" smtClean="0"/>
+              <a:t>役割を担う</a:t>
+            </a:r>
+            <a:endParaRPr lang="en-US" altLang="ja-JP" sz="2000" dirty="0"/>
           </a:p>
           <a:p>
             <a:pPr marL="285750" indent="-285750">
@@ -12098,7 +11678,7 @@
               <a:buFont typeface="Arial" panose="020B0604020202020204" pitchFamily="34" charset="0"/>
               <a:buChar char="•"/>
             </a:pPr>
-            <a:endParaRPr lang="en-US" altLang="ja-JP" sz="2000" dirty="0" smtClean="0"/>
+            <a:endParaRPr lang="en-US" altLang="ja-JP" sz="2000" dirty="0"/>
           </a:p>
           <a:p>
             <a:pPr marL="285750" indent="-285750">
@@ -12137,18 +11717,13 @@
           <a:lstStyle/>
           <a:p>
             <a:r>
-              <a:rPr lang="ja-JP" altLang="en-US" sz="2400" dirty="0" smtClean="0">
+              <a:rPr lang="ja-JP" altLang="en-US" sz="2400" dirty="0">
                 <a:solidFill>
                   <a:schemeClr val="bg1"/>
                 </a:solidFill>
               </a:rPr>
               <a:t>家電製品の操作</a:t>
             </a:r>
-            <a:endParaRPr lang="ja-JP" altLang="en-US" sz="2400" dirty="0">
-              <a:solidFill>
-                <a:schemeClr val="bg1"/>
-              </a:solidFill>
-            </a:endParaRPr>
           </a:p>
         </p:txBody>
       </p:sp>
@@ -12240,13 +11815,6 @@
   <p:clrMapOvr>
     <a:masterClrMapping/>
   </p:clrMapOvr>
-  <p:timing>
-    <p:tnLst>
-      <p:par>
-        <p:cTn id="1" dur="indefinite" restart="never" nodeType="tmRoot"/>
-      </p:par>
-    </p:tnLst>
-  </p:timing>
 </p:sld>
 </file>
 
@@ -12283,14 +11851,13 @@
           <a:lstStyle/>
           <a:p>
             <a:r>
-              <a:rPr kumimoji="1" lang="en-US" altLang="ja-JP" dirty="0" smtClean="0"/>
+              <a:rPr kumimoji="1" lang="en-US" altLang="ja-JP" dirty="0"/>
               <a:t>e</a:t>
             </a:r>
             <a:r>
-              <a:rPr kumimoji="1" lang="ja-JP" altLang="en-US" dirty="0" smtClean="0"/>
+              <a:rPr kumimoji="1" lang="ja-JP" altLang="en-US" dirty="0"/>
               <a:t>ラーニングシステムの提供</a:t>
             </a:r>
-            <a:endParaRPr kumimoji="1" lang="ja-JP" altLang="en-US" dirty="0"/>
           </a:p>
         </p:txBody>
       </p:sp>
@@ -12317,22 +11884,22 @@
           <a:lstStyle/>
           <a:p>
             <a:r>
-              <a:rPr kumimoji="1" lang="en-US" altLang="ja-JP" sz="2400" dirty="0" smtClean="0"/>
+              <a:rPr kumimoji="1" lang="en-US" altLang="ja-JP" sz="2400" dirty="0"/>
               <a:t>ICT</a:t>
             </a:r>
             <a:r>
-              <a:rPr kumimoji="1" lang="ja-JP" altLang="en-US" sz="2400" dirty="0" smtClean="0"/>
+              <a:rPr kumimoji="1" lang="ja-JP" altLang="en-US" sz="2400" dirty="0"/>
               <a:t>機器を使った学習活動を</a:t>
             </a:r>
             <a:r>
-              <a:rPr kumimoji="1" lang="en-US" altLang="ja-JP" sz="2400" dirty="0" smtClean="0"/>
+              <a:rPr kumimoji="1" lang="en-US" altLang="ja-JP" sz="2400" dirty="0"/>
               <a:t>e</a:t>
             </a:r>
             <a:r>
-              <a:rPr kumimoji="1" lang="ja-JP" altLang="en-US" sz="2400" dirty="0" smtClean="0"/>
+              <a:rPr kumimoji="1" lang="ja-JP" altLang="en-US" sz="2400" dirty="0"/>
               <a:t>ラーニングシステムで提供</a:t>
             </a:r>
-            <a:endParaRPr kumimoji="1" lang="en-US" altLang="ja-JP" sz="2400" dirty="0" smtClean="0"/>
+            <a:endParaRPr kumimoji="1" lang="en-US" altLang="ja-JP" sz="2400" dirty="0"/>
           </a:p>
         </p:txBody>
       </p:sp>
@@ -12451,11 +12018,7 @@
             </a:pPr>
             <a:r>
               <a:rPr lang="ja-JP" altLang="en-US" sz="2400" dirty="0"/>
-              <a:t>　</a:t>
-            </a:r>
-            <a:r>
-              <a:rPr lang="ja-JP" altLang="en-US" sz="2400" dirty="0"/>
-              <a:t>　学習活動の記録や評価を行える</a:t>
+              <a:t>　　学習活動の記録や評価を行える</a:t>
             </a:r>
             <a:endParaRPr lang="en-US" altLang="ja-JP" sz="2400" dirty="0"/>
           </a:p>
@@ -12471,11 +12034,7 @@
             </a:r>
             <a:r>
               <a:rPr lang="ja-JP" altLang="en-US" sz="2400" dirty="0"/>
-              <a:t> </a:t>
-            </a:r>
-            <a:r>
-              <a:rPr lang="ja-JP" altLang="en-US" sz="2400" dirty="0"/>
-              <a:t>自由な場所，自由な時間で学習が可能</a:t>
+              <a:t> 自由な場所，自由な時間で学習が可能</a:t>
             </a:r>
             <a:endParaRPr lang="en-US" altLang="ja-JP" sz="2400" dirty="0"/>
           </a:p>
@@ -12487,13 +12046,8 @@
             </a:pPr>
             <a:r>
               <a:rPr lang="ja-JP" altLang="en-US" sz="2400" dirty="0"/>
-              <a:t>　</a:t>
-            </a:r>
-            <a:r>
-              <a:rPr lang="ja-JP" altLang="en-US" sz="2400" dirty="0"/>
-              <a:t>　家，病など学校外でも学習できる</a:t>
-            </a:r>
-            <a:endParaRPr lang="ja-JP" altLang="en-US" sz="2400" dirty="0"/>
+              <a:t>　　家，病など学校外でも学習できる</a:t>
+            </a:r>
           </a:p>
         </p:txBody>
       </p:sp>
@@ -12529,11 +12083,6 @@
               </a:rPr>
               <a:t>利点</a:t>
             </a:r>
-            <a:endParaRPr lang="ja-JP" altLang="en-US" sz="2800" dirty="0">
-              <a:solidFill>
-                <a:schemeClr val="bg1"/>
-              </a:solidFill>
-            </a:endParaRPr>
           </a:p>
         </p:txBody>
       </p:sp>
@@ -12685,13 +12234,6 @@
   <p:clrMapOvr>
     <a:masterClrMapping/>
   </p:clrMapOvr>
-  <p:timing>
-    <p:tnLst>
-      <p:par>
-        <p:cTn id="1" dur="indefinite" restart="never" nodeType="tmRoot"/>
-      </p:par>
-    </p:tnLst>
-  </p:timing>
 </p:sld>
 </file>
 
@@ -12783,11 +12325,11 @@
           </a:lstStyle>
           <a:p>
             <a:r>
-              <a:rPr lang="en-US" altLang="ja-JP" smtClean="0"/>
+              <a:rPr lang="en-US" altLang="ja-JP"/>
               <a:t>e</a:t>
             </a:r>
             <a:r>
-              <a:rPr lang="ja-JP" altLang="en-US" smtClean="0"/>
+              <a:rPr lang="ja-JP" altLang="en-US"/>
               <a:t>ラーニングシステムの概要</a:t>
             </a:r>
             <a:endParaRPr lang="ja-JP" altLang="en-US" dirty="0"/>
@@ -12995,7 +12537,6 @@
               <a:rPr lang="ja-JP" altLang="en-US" sz="2400" dirty="0"/>
               <a:t>学校から利用</a:t>
             </a:r>
-            <a:endParaRPr lang="ja-JP" altLang="en-US" sz="2400" dirty="0"/>
           </a:p>
         </p:txBody>
       </p:sp>
@@ -13028,13 +12569,8 @@
           <a:p>
             <a:r>
               <a:rPr lang="ja-JP" altLang="en-US" sz="2400" dirty="0"/>
-              <a:t>家庭</a:t>
-            </a:r>
-            <a:r>
-              <a:rPr lang="ja-JP" altLang="en-US" sz="2400" dirty="0"/>
-              <a:t>から利用</a:t>
-            </a:r>
-            <a:endParaRPr lang="ja-JP" altLang="en-US" sz="2400" dirty="0"/>
+              <a:t>家庭から利用</a:t>
+            </a:r>
           </a:p>
         </p:txBody>
       </p:sp>
@@ -13144,11 +12680,6 @@
               </a:rPr>
               <a:t>クリック教材</a:t>
             </a:r>
-            <a:endParaRPr lang="ja-JP" altLang="en-US" sz="2400" b="1" dirty="0">
-              <a:solidFill>
-                <a:srgbClr val="00A0DC"/>
-              </a:solidFill>
-            </a:endParaRPr>
           </a:p>
         </p:txBody>
       </p:sp>
@@ -13209,11 +12740,6 @@
               </a:rPr>
               <a:t>インターネット</a:t>
             </a:r>
-            <a:endParaRPr lang="ja-JP" altLang="en-US" sz="2000" dirty="0">
-              <a:solidFill>
-                <a:schemeClr val="tx1"/>
-              </a:solidFill>
-            </a:endParaRPr>
           </a:p>
         </p:txBody>
       </p:sp>
@@ -13435,14 +12961,13 @@
           <a:lstStyle/>
           <a:p>
             <a:r>
-              <a:rPr kumimoji="1" lang="en-US" altLang="ja-JP" sz="2000" dirty="0" smtClean="0"/>
+              <a:rPr kumimoji="1" lang="en-US" altLang="ja-JP" sz="2000" dirty="0"/>
               <a:t>e</a:t>
             </a:r>
             <a:r>
-              <a:rPr kumimoji="1" lang="ja-JP" altLang="en-US" sz="2000" dirty="0" smtClean="0"/>
+              <a:rPr kumimoji="1" lang="ja-JP" altLang="en-US" sz="2000" dirty="0"/>
               <a:t>ラーニングシステム</a:t>
             </a:r>
-            <a:endParaRPr kumimoji="1" lang="ja-JP" altLang="en-US" sz="2000" dirty="0"/>
           </a:p>
         </p:txBody>
       </p:sp>
@@ -13469,10 +12994,9 @@
           <a:lstStyle/>
           <a:p>
             <a:r>
-              <a:rPr kumimoji="1" lang="ja-JP" altLang="en-US" sz="2000" b="1" dirty="0" smtClean="0"/>
+              <a:rPr kumimoji="1" lang="ja-JP" altLang="en-US" sz="2000" b="1" dirty="0"/>
               <a:t>学習コンテンツ</a:t>
             </a:r>
-            <a:endParaRPr kumimoji="1" lang="ja-JP" altLang="en-US" sz="2000" b="1" dirty="0"/>
           </a:p>
         </p:txBody>
       </p:sp>
@@ -13522,10 +13046,9 @@
           <a:lstStyle/>
           <a:p>
             <a:r>
-              <a:rPr kumimoji="1" lang="ja-JP" altLang="en-US" dirty="0" smtClean="0"/>
+              <a:rPr kumimoji="1" lang="ja-JP" altLang="en-US" dirty="0"/>
               <a:t>研究目的</a:t>
             </a:r>
-            <a:endParaRPr kumimoji="1" lang="ja-JP" altLang="en-US" dirty="0"/>
           </a:p>
         </p:txBody>
       </p:sp>
@@ -13550,26 +13073,26 @@
           <a:lstStyle/>
           <a:p>
             <a:r>
-              <a:rPr kumimoji="1" lang="ja-JP" altLang="en-US" dirty="0" smtClean="0"/>
+              <a:rPr kumimoji="1" lang="ja-JP" altLang="en-US" dirty="0"/>
               <a:t>コミュニケーションスキルを獲得できる</a:t>
             </a:r>
             <a:r>
-              <a:rPr kumimoji="1" lang="en-US" altLang="ja-JP" dirty="0" smtClean="0"/>
+              <a:rPr kumimoji="1" lang="en-US" altLang="ja-JP" dirty="0"/>
               <a:t>e</a:t>
             </a:r>
             <a:r>
-              <a:rPr kumimoji="1" lang="ja-JP" altLang="en-US" dirty="0" smtClean="0"/>
+              <a:rPr kumimoji="1" lang="ja-JP" altLang="en-US" dirty="0"/>
               <a:t>ラーニングシステムの開発</a:t>
             </a:r>
-            <a:endParaRPr kumimoji="1" lang="en-US" altLang="ja-JP" dirty="0" smtClean="0"/>
-          </a:p>
-          <a:p>
-            <a:r>
-              <a:rPr lang="en-US" altLang="ja-JP" dirty="0" smtClean="0"/>
+            <a:endParaRPr kumimoji="1" lang="en-US" altLang="ja-JP" dirty="0"/>
+          </a:p>
+          <a:p>
+            <a:r>
+              <a:rPr lang="en-US" altLang="ja-JP" dirty="0"/>
               <a:t>e</a:t>
             </a:r>
             <a:r>
-              <a:rPr lang="ja-JP" altLang="en-US" dirty="0" smtClean="0"/>
+              <a:rPr lang="ja-JP" altLang="en-US" dirty="0"/>
               <a:t>ラーニングシステムの有用性の検証</a:t>
             </a:r>
             <a:endParaRPr kumimoji="1" lang="ja-JP" altLang="en-US" dirty="0"/>
@@ -13652,10 +13175,9 @@
           <a:lstStyle/>
           <a:p>
             <a:r>
-              <a:rPr kumimoji="1" lang="ja-JP" altLang="en-US" dirty="0" smtClean="0"/>
+              <a:rPr kumimoji="1" lang="ja-JP" altLang="en-US" dirty="0"/>
               <a:t>因果関係の理解</a:t>
             </a:r>
-            <a:endParaRPr kumimoji="1" lang="ja-JP" altLang="en-US" dirty="0"/>
           </a:p>
         </p:txBody>
       </p:sp>
@@ -13787,10 +13309,9 @@
           <a:lstStyle/>
           <a:p>
             <a:r>
-              <a:rPr kumimoji="1" lang="ja-JP" altLang="en-US" dirty="0" smtClean="0"/>
+              <a:rPr kumimoji="1" lang="ja-JP" altLang="en-US" dirty="0"/>
               <a:t>スイッチでの選択操作</a:t>
             </a:r>
-            <a:endParaRPr kumimoji="1" lang="ja-JP" altLang="en-US" dirty="0"/>
           </a:p>
         </p:txBody>
       </p:sp>
@@ -13893,10 +13414,9 @@
           <a:lstStyle/>
           <a:p>
             <a:r>
-              <a:rPr kumimoji="1" lang="ja-JP" altLang="en-US" dirty="0" smtClean="0"/>
+              <a:rPr kumimoji="1" lang="ja-JP" altLang="en-US" dirty="0"/>
               <a:t>文字・言語獲得</a:t>
             </a:r>
-            <a:endParaRPr kumimoji="1" lang="ja-JP" altLang="en-US" dirty="0"/>
           </a:p>
         </p:txBody>
       </p:sp>
@@ -14033,7 +13553,7 @@
           <p:nvPr/>
         </p:nvPicPr>
         <p:blipFill>
-          <a:blip r:embed="rId5">
+          <a:blip r:embed="rId5" cstate="print">
             <a:extLst>
               <a:ext uri="{28A0092B-C50C-407E-A947-70E740481C1C}">
                 <a14:useLocalDpi xmlns:a14="http://schemas.microsoft.com/office/drawing/2010/main" val="0"/>
@@ -14074,7 +13594,7 @@
           <p:nvPr/>
         </p:nvPicPr>
         <p:blipFill>
-          <a:blip r:embed="rId6">
+          <a:blip r:embed="rId6" cstate="print">
             <a:extLst>
               <a:ext uri="{28A0092B-C50C-407E-A947-70E740481C1C}">
                 <a14:useLocalDpi xmlns:a14="http://schemas.microsoft.com/office/drawing/2010/main" val="0"/>
@@ -14118,14 +13638,14 @@
           <a:lstStyle/>
           <a:p>
             <a:r>
-              <a:rPr kumimoji="1" lang="en-US" altLang="ja-JP" sz="2000" dirty="0" smtClean="0"/>
+              <a:rPr kumimoji="1" lang="en-US" altLang="ja-JP" sz="2000" dirty="0"/>
               <a:t>VOCA</a:t>
             </a:r>
             <a:r>
-              <a:rPr kumimoji="1" lang="ja-JP" altLang="en-US" sz="2000" dirty="0" smtClean="0"/>
+              <a:rPr kumimoji="1" lang="ja-JP" altLang="en-US" sz="2000" dirty="0"/>
               <a:t>やレッツ・チャット等の</a:t>
             </a:r>
-            <a:endParaRPr kumimoji="1" lang="en-US" altLang="ja-JP" sz="2000" dirty="0" smtClean="0"/>
+            <a:endParaRPr kumimoji="1" lang="en-US" altLang="ja-JP" sz="2000" dirty="0"/>
           </a:p>
           <a:p>
             <a:r>
@@ -14134,18 +13654,10 @@
                   <a:srgbClr val="FF0000"/>
                 </a:solidFill>
               </a:rPr>
-              <a:t>意思</a:t>
-            </a:r>
-            <a:r>
-              <a:rPr lang="ja-JP" altLang="en-US" sz="2000" dirty="0" smtClean="0">
-                <a:solidFill>
-                  <a:srgbClr val="FF0000"/>
-                </a:solidFill>
-              </a:rPr>
-              <a:t>伝達装置</a:t>
-            </a:r>
-            <a:r>
-              <a:rPr lang="ja-JP" altLang="en-US" sz="2000" dirty="0" smtClean="0"/>
+              <a:t>意思伝達装置</a:t>
+            </a:r>
+            <a:r>
+              <a:rPr lang="ja-JP" altLang="en-US" sz="2000" dirty="0"/>
               <a:t>の利用</a:t>
             </a:r>
             <a:endParaRPr kumimoji="1" lang="ja-JP" altLang="en-US" sz="2000" dirty="0"/>
@@ -14253,11 +13765,11 @@
           </a:lstStyle>
           <a:p>
             <a:r>
-              <a:rPr lang="en-US" altLang="ja-JP" smtClean="0"/>
+              <a:rPr lang="en-US" altLang="ja-JP"/>
               <a:t>e</a:t>
             </a:r>
             <a:r>
-              <a:rPr lang="ja-JP" altLang="en-US" smtClean="0"/>
+              <a:rPr lang="ja-JP" altLang="en-US"/>
               <a:t>ラーニングシステムの概要</a:t>
             </a:r>
             <a:endParaRPr lang="ja-JP" altLang="en-US" dirty="0"/>
@@ -14465,7 +13977,6 @@
               <a:rPr lang="ja-JP" altLang="en-US" sz="2400" dirty="0"/>
               <a:t>学校から利用</a:t>
             </a:r>
-            <a:endParaRPr lang="ja-JP" altLang="en-US" sz="2400" dirty="0"/>
           </a:p>
         </p:txBody>
       </p:sp>
@@ -14498,13 +14009,8 @@
           <a:p>
             <a:r>
               <a:rPr lang="ja-JP" altLang="en-US" sz="2400" dirty="0"/>
-              <a:t>家庭</a:t>
-            </a:r>
-            <a:r>
-              <a:rPr lang="ja-JP" altLang="en-US" sz="2400" dirty="0"/>
-              <a:t>から利用</a:t>
-            </a:r>
-            <a:endParaRPr lang="ja-JP" altLang="en-US" sz="2400" dirty="0"/>
+              <a:t>家庭から利用</a:t>
+            </a:r>
           </a:p>
         </p:txBody>
       </p:sp>
@@ -14614,11 +14120,6 @@
               </a:rPr>
               <a:t>クリック教材</a:t>
             </a:r>
-            <a:endParaRPr lang="ja-JP" altLang="en-US" sz="2400" b="1" dirty="0">
-              <a:solidFill>
-                <a:srgbClr val="00A0DC"/>
-              </a:solidFill>
-            </a:endParaRPr>
           </a:p>
         </p:txBody>
       </p:sp>
@@ -14679,11 +14180,6 @@
               </a:rPr>
               <a:t>インターネット</a:t>
             </a:r>
-            <a:endParaRPr lang="ja-JP" altLang="en-US" sz="2000" dirty="0">
-              <a:solidFill>
-                <a:schemeClr val="tx1"/>
-              </a:solidFill>
-            </a:endParaRPr>
           </a:p>
         </p:txBody>
       </p:sp>
@@ -14905,14 +14401,13 @@
           <a:lstStyle/>
           <a:p>
             <a:r>
-              <a:rPr kumimoji="1" lang="en-US" altLang="ja-JP" sz="2000" dirty="0" smtClean="0"/>
+              <a:rPr kumimoji="1" lang="en-US" altLang="ja-JP" sz="2000" dirty="0"/>
               <a:t>e</a:t>
             </a:r>
             <a:r>
-              <a:rPr kumimoji="1" lang="ja-JP" altLang="en-US" sz="2000" dirty="0" smtClean="0"/>
+              <a:rPr kumimoji="1" lang="ja-JP" altLang="en-US" sz="2000" dirty="0"/>
               <a:t>ラーニングシステム</a:t>
             </a:r>
-            <a:endParaRPr kumimoji="1" lang="ja-JP" altLang="en-US" sz="2000" dirty="0"/>
           </a:p>
         </p:txBody>
       </p:sp>
@@ -14939,10 +14434,9 @@
           <a:lstStyle/>
           <a:p>
             <a:r>
-              <a:rPr kumimoji="1" lang="ja-JP" altLang="en-US" sz="2000" b="1" dirty="0" smtClean="0"/>
+              <a:rPr kumimoji="1" lang="ja-JP" altLang="en-US" sz="2000" b="1" dirty="0"/>
               <a:t>学習コンテンツ</a:t>
             </a:r>
-            <a:endParaRPr kumimoji="1" lang="ja-JP" altLang="en-US" sz="2000" b="1" dirty="0"/>
           </a:p>
         </p:txBody>
       </p:sp>
@@ -15038,10 +14532,9 @@
           <a:lstStyle/>
           <a:p>
             <a:r>
-              <a:rPr kumimoji="1" lang="ja-JP" altLang="en-US" dirty="0" smtClean="0"/>
+              <a:rPr kumimoji="1" lang="ja-JP" altLang="en-US" dirty="0"/>
               <a:t>オートスキャンについて</a:t>
             </a:r>
-            <a:endParaRPr kumimoji="1" lang="ja-JP" altLang="en-US" dirty="0"/>
           </a:p>
         </p:txBody>
       </p:sp>
@@ -15068,10 +14561,9 @@
           <a:lstStyle/>
           <a:p>
             <a:r>
-              <a:rPr kumimoji="1" lang="ja-JP" altLang="en-US" sz="2400" dirty="0" smtClean="0"/>
+              <a:rPr kumimoji="1" lang="ja-JP" altLang="en-US" sz="2400" dirty="0"/>
               <a:t>スイッチ１つを使って複数の選択肢の中から１つ選ぶ入力方法</a:t>
             </a:r>
-            <a:endParaRPr kumimoji="1" lang="ja-JP" altLang="en-US" sz="2400" dirty="0"/>
           </a:p>
         </p:txBody>
       </p:sp>
@@ -15270,7 +14762,6 @@
               <a:rPr lang="ja-JP" altLang="en-US" sz="2400" dirty="0"/>
               <a:t>フォーカスが数秒ごとに切り替わる</a:t>
             </a:r>
-            <a:endParaRPr lang="ja-JP" altLang="en-US" sz="2400" dirty="0"/>
           </a:p>
         </p:txBody>
       </p:sp>
@@ -15361,7 +14852,6 @@
               <a:rPr lang="ja-JP" altLang="en-US" sz="2400" dirty="0"/>
               <a:t>フォーカスされているものを選択</a:t>
             </a:r>
-            <a:endParaRPr lang="ja-JP" altLang="en-US" sz="2400" dirty="0"/>
           </a:p>
         </p:txBody>
       </p:sp>
@@ -15375,21 +14865,6 @@
   <p:clrMapOvr>
     <a:masterClrMapping/>
   </p:clrMapOvr>
-  <mc:AlternateContent xmlns:mc="http://schemas.openxmlformats.org/markup-compatibility/2006">
-    <mc:Choice xmlns:p14="http://schemas.microsoft.com/office/powerpoint/2010/main" Requires="p14">
-      <p:transition spd="slow" p14:dur="2000"/>
-    </mc:Choice>
-    <mc:Fallback>
-      <p:transition spd="slow"/>
-    </mc:Fallback>
-  </mc:AlternateContent>
-  <p:timing>
-    <p:tnLst>
-      <p:par>
-        <p:cTn id="1" dur="indefinite" restart="never" nodeType="tmRoot"/>
-      </p:par>
-    </p:tnLst>
-  </p:timing>
 </p:sld>
 </file>
 
